--- a/CHING JIAN/AppInventor/04_程式設計基礎心法.pptx
+++ b/CHING JIAN/AppInventor/04_程式設計基礎心法.pptx
@@ -15,6 +15,12 @@
     <p:sldId id="264" r:id="rId9"/>
     <p:sldId id="265" r:id="rId10"/>
     <p:sldId id="266" r:id="rId11"/>
+    <p:sldId id="268" r:id="rId12"/>
+    <p:sldId id="269" r:id="rId13"/>
+    <p:sldId id="270" r:id="rId14"/>
+    <p:sldId id="267" r:id="rId15"/>
+    <p:sldId id="272" r:id="rId16"/>
+    <p:sldId id="273" r:id="rId17"/>
   </p:sldIdLst>
   <p:sldSz cx="12192000" cy="6858000"/>
   <p:notesSz cx="6858000" cy="9144000"/>
@@ -302,7 +308,7 @@
           <a:p>
             <a:fld id="{48A87A34-81AB-432B-8DAE-1953F412C126}" type="datetimeFigureOut">
               <a:rPr lang="en-US" dirty="0"/>
-              <a:t>12/25/2020</a:t>
+              <a:t>10/4/2022</a:t>
             </a:fld>
             <a:endParaRPr lang="en-US" dirty="0"/>
           </a:p>
@@ -564,7 +570,7 @@
           <a:p>
             <a:fld id="{48A87A34-81AB-432B-8DAE-1953F412C126}" type="datetimeFigureOut">
               <a:rPr lang="en-US" dirty="0"/>
-              <a:t>12/25/2020</a:t>
+              <a:t>10/4/2022</a:t>
             </a:fld>
             <a:endParaRPr lang="en-US" dirty="0"/>
           </a:p>
@@ -791,7 +797,7 @@
             <a:fld id="{48A87A34-81AB-432B-8DAE-1953F412C126}" type="datetimeFigureOut">
               <a:rPr lang="en-US" dirty="0"/>
               <a:pPr/>
-              <a:t>12/25/2020</a:t>
+              <a:t>10/4/2022</a:t>
             </a:fld>
             <a:endParaRPr lang="en-US" dirty="0"/>
           </a:p>
@@ -1097,7 +1103,7 @@
             <a:fld id="{48A87A34-81AB-432B-8DAE-1953F412C126}" type="datetimeFigureOut">
               <a:rPr lang="en-US" dirty="0"/>
               <a:pPr/>
-              <a:t>12/25/2020</a:t>
+              <a:t>10/4/2022</a:t>
             </a:fld>
             <a:endParaRPr lang="en-US" dirty="0"/>
           </a:p>
@@ -1566,7 +1572,7 @@
             <a:fld id="{48A87A34-81AB-432B-8DAE-1953F412C126}" type="datetimeFigureOut">
               <a:rPr lang="en-US" dirty="0"/>
               <a:pPr/>
-              <a:t>12/25/2020</a:t>
+              <a:t>10/4/2022</a:t>
             </a:fld>
             <a:endParaRPr lang="en-US" dirty="0"/>
           </a:p>
@@ -2108,7 +2114,7 @@
           <a:p>
             <a:fld id="{48A87A34-81AB-432B-8DAE-1953F412C126}" type="datetimeFigureOut">
               <a:rPr lang="en-US" dirty="0"/>
-              <a:t>12/25/2020</a:t>
+              <a:t>10/4/2022</a:t>
             </a:fld>
             <a:endParaRPr lang="en-US" dirty="0"/>
           </a:p>
@@ -2877,7 +2883,7 @@
           <a:p>
             <a:fld id="{48A87A34-81AB-432B-8DAE-1953F412C126}" type="datetimeFigureOut">
               <a:rPr lang="en-US" dirty="0"/>
-              <a:t>12/25/2020</a:t>
+              <a:t>10/4/2022</a:t>
             </a:fld>
             <a:endParaRPr lang="en-US" dirty="0"/>
           </a:p>
@@ -3047,7 +3053,7 @@
           <a:p>
             <a:fld id="{48A87A34-81AB-432B-8DAE-1953F412C126}" type="datetimeFigureOut">
               <a:rPr lang="en-US" dirty="0"/>
-              <a:t>12/25/2020</a:t>
+              <a:t>10/4/2022</a:t>
             </a:fld>
             <a:endParaRPr lang="en-US" dirty="0"/>
           </a:p>
@@ -3266,7 +3272,7 @@
             <a:fld id="{48A87A34-81AB-432B-8DAE-1953F412C126}" type="datetimeFigureOut">
               <a:rPr lang="en-US" dirty="0"/>
               <a:pPr/>
-              <a:t>12/25/2020</a:t>
+              <a:t>10/4/2022</a:t>
             </a:fld>
             <a:endParaRPr lang="en-US" dirty="0"/>
           </a:p>
@@ -3441,7 +3447,7 @@
           <a:p>
             <a:fld id="{48A87A34-81AB-432B-8DAE-1953F412C126}" type="datetimeFigureOut">
               <a:rPr lang="en-US" dirty="0"/>
-              <a:t>12/25/2020</a:t>
+              <a:t>10/4/2022</a:t>
             </a:fld>
             <a:endParaRPr lang="en-US" dirty="0"/>
           </a:p>
@@ -3726,7 +3732,7 @@
             <a:fld id="{48A87A34-81AB-432B-8DAE-1953F412C126}" type="datetimeFigureOut">
               <a:rPr lang="en-US" dirty="0"/>
               <a:pPr/>
-              <a:t>12/25/2020</a:t>
+              <a:t>10/4/2022</a:t>
             </a:fld>
             <a:endParaRPr lang="en-US" dirty="0"/>
           </a:p>
@@ -3963,7 +3969,7 @@
           <a:p>
             <a:fld id="{48A87A34-81AB-432B-8DAE-1953F412C126}" type="datetimeFigureOut">
               <a:rPr lang="en-US" dirty="0"/>
-              <a:t>12/25/2020</a:t>
+              <a:t>10/4/2022</a:t>
             </a:fld>
             <a:endParaRPr lang="en-US" dirty="0"/>
           </a:p>
@@ -4337,7 +4343,7 @@
           <a:p>
             <a:fld id="{48A87A34-81AB-432B-8DAE-1953F412C126}" type="datetimeFigureOut">
               <a:rPr lang="en-US" dirty="0"/>
-              <a:t>12/25/2020</a:t>
+              <a:t>10/4/2022</a:t>
             </a:fld>
             <a:endParaRPr lang="en-US" dirty="0"/>
           </a:p>
@@ -4450,7 +4456,7 @@
           <a:p>
             <a:fld id="{48A87A34-81AB-432B-8DAE-1953F412C126}" type="datetimeFigureOut">
               <a:rPr lang="en-US" dirty="0"/>
-              <a:t>12/25/2020</a:t>
+              <a:t>10/4/2022</a:t>
             </a:fld>
             <a:endParaRPr lang="en-US" dirty="0"/>
           </a:p>
@@ -4540,7 +4546,7 @@
           <a:p>
             <a:fld id="{48A87A34-81AB-432B-8DAE-1953F412C126}" type="datetimeFigureOut">
               <a:rPr lang="en-US" dirty="0"/>
-              <a:t>12/25/2020</a:t>
+              <a:t>10/4/2022</a:t>
             </a:fld>
             <a:endParaRPr lang="en-US" dirty="0"/>
           </a:p>
@@ -4784,7 +4790,7 @@
           <a:p>
             <a:fld id="{48A87A34-81AB-432B-8DAE-1953F412C126}" type="datetimeFigureOut">
               <a:rPr lang="en-US" dirty="0"/>
-              <a:t>12/25/2020</a:t>
+              <a:t>10/4/2022</a:t>
             </a:fld>
             <a:endParaRPr lang="en-US" dirty="0"/>
           </a:p>
@@ -5036,7 +5042,7 @@
           <a:p>
             <a:fld id="{48A87A34-81AB-432B-8DAE-1953F412C126}" type="datetimeFigureOut">
               <a:rPr lang="en-US" dirty="0"/>
-              <a:t>12/25/2020</a:t>
+              <a:t>10/4/2022</a:t>
             </a:fld>
             <a:endParaRPr lang="en-US" dirty="0"/>
           </a:p>
@@ -5275,7 +5281,7 @@
             <a:fld id="{48A87A34-81AB-432B-8DAE-1953F412C126}" type="datetimeFigureOut">
               <a:rPr lang="en-US" dirty="0"/>
               <a:pPr/>
-              <a:t>12/25/2020</a:t>
+              <a:t>10/4/2022</a:t>
             </a:fld>
             <a:endParaRPr lang="en-US" dirty="0"/>
           </a:p>
@@ -5732,11 +5738,7 @@
           <a:p>
             <a:r>
               <a:rPr lang="zh-TW" altLang="en-US" dirty="0" smtClean="0"/>
-              <a:t>投影片</a:t>
-            </a:r>
-            <a:r>
-              <a:rPr lang="zh-TW" altLang="en-US" dirty="0" smtClean="0"/>
-              <a:t>下載：</a:t>
+              <a:t>投影片下載：</a:t>
             </a:r>
             <a:r>
               <a:rPr lang="en-US" altLang="zh-TW" dirty="0"/>
@@ -5746,7 +5748,59 @@
               <a:rPr lang="en-US" altLang="zh-TW" dirty="0" smtClean="0"/>
               <a:t>tinyurl.com/y8ozooly</a:t>
             </a:r>
-            <a:endParaRPr lang="en-US" altLang="zh-TW" dirty="0" smtClean="0"/>
+          </a:p>
+        </p:txBody>
+      </p:sp>
+      <p:pic>
+        <p:nvPicPr>
+          <p:cNvPr id="4" name="圖片 3"/>
+          <p:cNvPicPr>
+            <a:picLocks noChangeAspect="1"/>
+          </p:cNvPicPr>
+          <p:nvPr/>
+        </p:nvPicPr>
+        <p:blipFill>
+          <a:blip r:embed="rId2"/>
+          <a:stretch>
+            <a:fillRect/>
+          </a:stretch>
+        </p:blipFill>
+        <p:spPr>
+          <a:xfrm>
+            <a:off x="8683219" y="685702"/>
+            <a:ext cx="2041670" cy="2041670"/>
+          </a:xfrm>
+          <a:prstGeom prst="rect">
+            <a:avLst/>
+          </a:prstGeom>
+        </p:spPr>
+      </p:pic>
+      <p:sp>
+        <p:nvSpPr>
+          <p:cNvPr id="5" name="矩形 4"/>
+          <p:cNvSpPr/>
+          <p:nvPr/>
+        </p:nvSpPr>
+        <p:spPr>
+          <a:xfrm>
+            <a:off x="8342944" y="439973"/>
+            <a:ext cx="2722220" cy="400110"/>
+          </a:xfrm>
+          <a:prstGeom prst="rect">
+            <a:avLst/>
+          </a:prstGeom>
+        </p:spPr>
+        <p:txBody>
+          <a:bodyPr wrap="none">
+            <a:spAutoFit/>
+          </a:bodyPr>
+          <a:lstStyle/>
+          <a:p>
+            <a:r>
+              <a:rPr lang="en-US" altLang="zh-TW" sz="2000" dirty="0"/>
+              <a:t>http://gg.gg/TM_AI2</a:t>
+            </a:r>
+            <a:endParaRPr lang="zh-TW" altLang="en-US" sz="2000" dirty="0"/>
           </a:p>
         </p:txBody>
       </p:sp>
@@ -6046,6 +6100,5097 @@
   <p:clrMapOvr>
     <a:masterClrMapping/>
   </p:clrMapOvr>
+</p:sld>
+</file>
+
+<file path=ppt/slides/slide11.xml><?xml version="1.0" encoding="utf-8"?>
+<p:sld xmlns:a="http://schemas.openxmlformats.org/drawingml/2006/main" xmlns:r="http://schemas.openxmlformats.org/officeDocument/2006/relationships" xmlns:p="http://schemas.openxmlformats.org/presentationml/2006/main">
+  <p:cSld>
+    <p:spTree>
+      <p:nvGrpSpPr>
+        <p:cNvPr id="1" name=""/>
+        <p:cNvGrpSpPr/>
+        <p:nvPr/>
+      </p:nvGrpSpPr>
+      <p:grpSpPr>
+        <a:xfrm>
+          <a:off x="0" y="0"/>
+          <a:ext cx="0" cy="0"/>
+          <a:chOff x="0" y="0"/>
+          <a:chExt cx="0" cy="0"/>
+        </a:xfrm>
+      </p:grpSpPr>
+      <p:sp>
+        <p:nvSpPr>
+          <p:cNvPr id="2" name="標題 1"/>
+          <p:cNvSpPr>
+            <a:spLocks noGrp="1"/>
+          </p:cNvSpPr>
+          <p:nvPr>
+            <p:ph type="title"/>
+          </p:nvPr>
+        </p:nvSpPr>
+        <p:spPr/>
+        <p:txBody>
+          <a:bodyPr/>
+          <a:lstStyle/>
+          <a:p>
+            <a:r>
+              <a:rPr lang="zh-TW" altLang="en-US" dirty="0" smtClean="0"/>
+              <a:t>函式是甚麼？</a:t>
+            </a:r>
+            <a:endParaRPr lang="zh-TW" altLang="en-US" dirty="0"/>
+          </a:p>
+        </p:txBody>
+      </p:sp>
+      <p:sp>
+        <p:nvSpPr>
+          <p:cNvPr id="3" name="內容版面配置區 2"/>
+          <p:cNvSpPr>
+            <a:spLocks noGrp="1"/>
+          </p:cNvSpPr>
+          <p:nvPr>
+            <p:ph idx="1"/>
+          </p:nvPr>
+        </p:nvSpPr>
+        <p:spPr/>
+        <p:txBody>
+          <a:bodyPr/>
+          <a:lstStyle/>
+          <a:p>
+            <a:r>
+              <a:rPr lang="zh-TW" altLang="en-US" dirty="0" smtClean="0"/>
+              <a:t>函式與數學的函數概念很類似，</a:t>
+            </a:r>
+            <a:endParaRPr lang="en-US" altLang="zh-TW" dirty="0" smtClean="0"/>
+          </a:p>
+          <a:p>
+            <a:pPr lvl="1"/>
+            <a:r>
+              <a:rPr lang="zh-TW" altLang="zh-TW" dirty="0"/>
+              <a:t>在數學函數中，我們輸入函數的</a:t>
+            </a:r>
+            <a:r>
+              <a:rPr lang="zh-TW" altLang="zh-TW" b="1" dirty="0"/>
+              <a:t>參數</a:t>
+            </a:r>
+            <a:r>
+              <a:rPr lang="zh-TW" altLang="zh-TW" dirty="0"/>
+              <a:t>並經過函數處理後，將可以得到函數的</a:t>
+            </a:r>
+            <a:r>
+              <a:rPr lang="zh-TW" altLang="zh-TW" b="1" dirty="0"/>
+              <a:t>輸出結果</a:t>
+            </a:r>
+            <a:r>
+              <a:rPr lang="zh-TW" altLang="zh-TW" dirty="0" smtClean="0"/>
+              <a:t>。</a:t>
+            </a:r>
+            <a:endParaRPr lang="en-US" altLang="zh-TW" dirty="0" smtClean="0"/>
+          </a:p>
+          <a:p>
+            <a:pPr lvl="2"/>
+            <a:r>
+              <a:rPr lang="zh-TW" altLang="en-US" dirty="0" smtClean="0"/>
+              <a:t>例如：</a:t>
+            </a:r>
+            <a:r>
+              <a:rPr lang="en-US" altLang="zh-TW" dirty="0" smtClean="0"/>
+              <a:t>f(x)=x+5 </a:t>
+            </a:r>
+            <a:r>
+              <a:rPr lang="en-US" altLang="zh-TW" dirty="0" smtClean="0">
+                <a:sym typeface="Wingdings" panose="05000000000000000000" pitchFamily="2" charset="2"/>
+              </a:rPr>
+              <a:t> f(5)=5+5=10  </a:t>
+            </a:r>
+            <a:r>
+              <a:rPr lang="zh-TW" altLang="en-US" dirty="0" smtClean="0">
+                <a:sym typeface="Wingdings" panose="05000000000000000000" pitchFamily="2" charset="2"/>
+              </a:rPr>
+              <a:t>所以</a:t>
+            </a:r>
+            <a:r>
+              <a:rPr lang="en-US" altLang="zh-TW" dirty="0" smtClean="0">
+                <a:sym typeface="Wingdings" panose="05000000000000000000" pitchFamily="2" charset="2"/>
+              </a:rPr>
+              <a:t>f(5)</a:t>
+            </a:r>
+            <a:r>
+              <a:rPr lang="zh-TW" altLang="en-US" dirty="0" smtClean="0">
+                <a:sym typeface="Wingdings" panose="05000000000000000000" pitchFamily="2" charset="2"/>
+              </a:rPr>
+              <a:t>為</a:t>
+            </a:r>
+            <a:r>
+              <a:rPr lang="en-US" altLang="zh-TW" dirty="0" smtClean="0">
+                <a:sym typeface="Wingdings" panose="05000000000000000000" pitchFamily="2" charset="2"/>
+              </a:rPr>
+              <a:t>10</a:t>
+            </a:r>
+            <a:endParaRPr lang="en-US" altLang="zh-TW" dirty="0"/>
+          </a:p>
+          <a:p>
+            <a:pPr lvl="1"/>
+            <a:r>
+              <a:rPr lang="zh-TW" altLang="en-US" dirty="0"/>
+              <a:t>在</a:t>
+            </a:r>
+            <a:r>
+              <a:rPr lang="en-US" altLang="zh-TW" dirty="0"/>
+              <a:t>Java</a:t>
+            </a:r>
+            <a:r>
+              <a:rPr lang="zh-TW" altLang="en-US" dirty="0"/>
+              <a:t>的函式中</a:t>
+            </a:r>
+            <a:r>
+              <a:rPr lang="zh-TW" altLang="en-US" dirty="0" smtClean="0"/>
+              <a:t>，我們可以傳遞</a:t>
+            </a:r>
+            <a:r>
+              <a:rPr lang="zh-TW" altLang="en-US" b="1" dirty="0"/>
+              <a:t>引數</a:t>
+            </a:r>
+            <a:r>
+              <a:rPr lang="en-US" altLang="zh-TW" b="1" dirty="0"/>
+              <a:t>(Argument)</a:t>
+            </a:r>
+            <a:r>
+              <a:rPr lang="zh-TW" altLang="en-US" dirty="0"/>
+              <a:t>給函式處理，經過函式的處理之後，可以獲得一個</a:t>
+            </a:r>
+            <a:r>
+              <a:rPr lang="zh-TW" altLang="en-US" b="1" dirty="0"/>
+              <a:t>輸出結果（即函式回傳值</a:t>
+            </a:r>
+            <a:r>
+              <a:rPr lang="zh-TW" altLang="en-US" b="1" dirty="0" smtClean="0"/>
+              <a:t>）</a:t>
+            </a:r>
+            <a:endParaRPr lang="en-US" altLang="zh-TW" b="1" dirty="0" smtClean="0"/>
+          </a:p>
+          <a:p>
+            <a:pPr lvl="1"/>
+            <a:r>
+              <a:rPr lang="zh-TW" altLang="en-US" dirty="0"/>
+              <a:t>程式語言的函</a:t>
+            </a:r>
+            <a:r>
+              <a:rPr lang="zh-TW" altLang="en-US" dirty="0" smtClean="0"/>
+              <a:t>式其實是</a:t>
+            </a:r>
+            <a:r>
+              <a:rPr lang="en-US" altLang="zh-TW" dirty="0" smtClean="0">
+                <a:solidFill>
+                  <a:srgbClr val="FF0000"/>
+                </a:solidFill>
+              </a:rPr>
+              <a:t>【</a:t>
+            </a:r>
+            <a:r>
+              <a:rPr lang="zh-TW" altLang="en-US" b="1" dirty="0">
+                <a:solidFill>
+                  <a:srgbClr val="FF0000"/>
+                </a:solidFill>
+              </a:rPr>
+              <a:t>一群敘述的集合</a:t>
+            </a:r>
+            <a:r>
+              <a:rPr lang="en-US" altLang="zh-TW" dirty="0" smtClean="0">
+                <a:solidFill>
+                  <a:srgbClr val="FF0000"/>
+                </a:solidFill>
+              </a:rPr>
+              <a:t>】</a:t>
+            </a:r>
+            <a:r>
+              <a:rPr lang="zh-TW" altLang="en-US" dirty="0" smtClean="0"/>
+              <a:t>，執行後</a:t>
+            </a:r>
+            <a:r>
+              <a:rPr lang="zh-TW" altLang="en-US" b="1" dirty="0" smtClean="0"/>
+              <a:t>不一定有回傳值</a:t>
+            </a:r>
+            <a:r>
+              <a:rPr lang="zh-TW" altLang="en-US" dirty="0" smtClean="0"/>
+              <a:t>。</a:t>
+            </a:r>
+            <a:endParaRPr lang="en-US" altLang="zh-TW" dirty="0" smtClean="0"/>
+          </a:p>
+          <a:p>
+            <a:r>
+              <a:rPr lang="zh-TW" altLang="en-US" dirty="0" smtClean="0"/>
+              <a:t>函式的規劃設計，有很大部分是把一個大問題拆解成明確的小步驟，且這些小步驟還有可能以後可以再重複利用。這些小步驟就適合發展為函式</a:t>
+            </a:r>
+            <a:r>
+              <a:rPr lang="en-US" altLang="zh-TW" dirty="0" smtClean="0"/>
+              <a:t>`.</a:t>
+            </a:r>
+            <a:endParaRPr lang="zh-TW" altLang="en-US" dirty="0"/>
+          </a:p>
+          <a:p>
+            <a:pPr lvl="1"/>
+            <a:endParaRPr lang="zh-TW" altLang="en-US" dirty="0"/>
+          </a:p>
+        </p:txBody>
+      </p:sp>
+    </p:spTree>
+    <p:extLst>
+      <p:ext uri="{BB962C8B-B14F-4D97-AF65-F5344CB8AC3E}">
+        <p14:creationId xmlns:p14="http://schemas.microsoft.com/office/powerpoint/2010/main" val="3624114525"/>
+      </p:ext>
+    </p:extLst>
+  </p:cSld>
+  <p:clrMapOvr>
+    <a:masterClrMapping/>
+  </p:clrMapOvr>
+  <p:timing>
+    <p:tnLst>
+      <p:par>
+        <p:cTn id="1" dur="indefinite" restart="never" nodeType="tmRoot"/>
+      </p:par>
+    </p:tnLst>
+  </p:timing>
+</p:sld>
+</file>
+
+<file path=ppt/slides/slide12.xml><?xml version="1.0" encoding="utf-8"?>
+<p:sld xmlns:a="http://schemas.openxmlformats.org/drawingml/2006/main" xmlns:r="http://schemas.openxmlformats.org/officeDocument/2006/relationships" xmlns:p="http://schemas.openxmlformats.org/presentationml/2006/main">
+  <p:cSld>
+    <p:spTree>
+      <p:nvGrpSpPr>
+        <p:cNvPr id="1" name=""/>
+        <p:cNvGrpSpPr/>
+        <p:nvPr/>
+      </p:nvGrpSpPr>
+      <p:grpSpPr>
+        <a:xfrm>
+          <a:off x="0" y="0"/>
+          <a:ext cx="0" cy="0"/>
+          <a:chOff x="0" y="0"/>
+          <a:chExt cx="0" cy="0"/>
+        </a:xfrm>
+      </p:grpSpPr>
+      <p:sp>
+        <p:nvSpPr>
+          <p:cNvPr id="2" name="標題 1"/>
+          <p:cNvSpPr>
+            <a:spLocks noGrp="1"/>
+          </p:cNvSpPr>
+          <p:nvPr>
+            <p:ph type="title"/>
+          </p:nvPr>
+        </p:nvSpPr>
+        <p:spPr/>
+        <p:txBody>
+          <a:bodyPr/>
+          <a:lstStyle/>
+          <a:p>
+            <a:r>
+              <a:rPr lang="zh-TW" altLang="en-US" dirty="0" smtClean="0"/>
+              <a:t>萬變不離其宗</a:t>
+            </a:r>
+            <a:r>
+              <a:rPr lang="en-US" altLang="zh-TW" dirty="0" smtClean="0"/>
+              <a:t/>
+            </a:r>
+            <a:br>
+              <a:rPr lang="en-US" altLang="zh-TW" dirty="0" smtClean="0"/>
+            </a:br>
+            <a:r>
+              <a:rPr lang="zh-TW" altLang="en-US" dirty="0"/>
+              <a:t>名字不同，道理一樣</a:t>
+            </a:r>
+          </a:p>
+        </p:txBody>
+      </p:sp>
+      <p:sp>
+        <p:nvSpPr>
+          <p:cNvPr id="3" name="內容版面配置區 2"/>
+          <p:cNvSpPr>
+            <a:spLocks noGrp="1"/>
+          </p:cNvSpPr>
+          <p:nvPr>
+            <p:ph idx="1"/>
+          </p:nvPr>
+        </p:nvSpPr>
+        <p:spPr/>
+        <p:txBody>
+          <a:bodyPr>
+            <a:normAutofit lnSpcReduction="10000"/>
+          </a:bodyPr>
+          <a:lstStyle/>
+          <a:p>
+            <a:r>
+              <a:rPr lang="zh-TW" altLang="en-US" dirty="0"/>
+              <a:t>函式在物件導向中，由於隸屬於某一</a:t>
+            </a:r>
+            <a:r>
+              <a:rPr lang="zh-TW" altLang="en-US" b="1" dirty="0"/>
+              <a:t>類別</a:t>
+            </a:r>
+            <a:r>
+              <a:rPr lang="zh-TW" altLang="en-US" dirty="0" smtClean="0"/>
+              <a:t>，可稱為</a:t>
+            </a:r>
+            <a:r>
+              <a:rPr lang="zh-TW" altLang="en-US" b="1" dirty="0"/>
+              <a:t>成員函式</a:t>
+            </a:r>
+            <a:r>
+              <a:rPr lang="en-US" altLang="zh-TW" dirty="0"/>
+              <a:t>(member function)</a:t>
+            </a:r>
+            <a:r>
+              <a:rPr lang="zh-TW" altLang="en-US" dirty="0"/>
+              <a:t>，又稱為</a:t>
+            </a:r>
+            <a:r>
+              <a:rPr lang="zh-TW" altLang="en-US" b="1" dirty="0"/>
+              <a:t>方法</a:t>
+            </a:r>
+            <a:r>
+              <a:rPr lang="en-US" altLang="zh-TW" dirty="0"/>
+              <a:t>(method)</a:t>
+            </a:r>
+            <a:r>
+              <a:rPr lang="zh-TW" altLang="en-US" dirty="0" smtClean="0"/>
+              <a:t>。</a:t>
+            </a:r>
+            <a:endParaRPr lang="en-US" altLang="zh-TW" dirty="0" smtClean="0"/>
+          </a:p>
+          <a:p>
+            <a:r>
+              <a:rPr lang="zh-TW" altLang="zh-TW" dirty="0"/>
+              <a:t>函式、成員函式、方法、成員方法等</a:t>
+            </a:r>
+            <a:r>
+              <a:rPr lang="zh-TW" altLang="zh-TW" dirty="0" smtClean="0"/>
+              <a:t>名詞其實</a:t>
+            </a:r>
+            <a:r>
+              <a:rPr lang="zh-TW" altLang="zh-TW" dirty="0"/>
+              <a:t>指的都是</a:t>
+            </a:r>
+            <a:r>
+              <a:rPr lang="en-US" altLang="zh-TW" b="1" dirty="0">
+                <a:solidFill>
+                  <a:srgbClr val="FF0000"/>
+                </a:solidFill>
+              </a:rPr>
+              <a:t>method</a:t>
+            </a:r>
+            <a:r>
+              <a:rPr lang="zh-TW" altLang="zh-TW" dirty="0" smtClean="0"/>
+              <a:t>。</a:t>
+            </a:r>
+            <a:endParaRPr lang="en-US" altLang="zh-TW" dirty="0" smtClean="0"/>
+          </a:p>
+          <a:p>
+            <a:r>
+              <a:rPr lang="zh-TW" altLang="en-US" dirty="0"/>
+              <a:t>在別的語言中，相同概念的說法還有程序、副程式等</a:t>
+            </a:r>
+            <a:r>
+              <a:rPr lang="zh-TW" altLang="en-US" dirty="0" smtClean="0"/>
+              <a:t>。</a:t>
+            </a:r>
+            <a:endParaRPr lang="en-US" altLang="zh-TW" dirty="0" smtClean="0"/>
+          </a:p>
+          <a:p>
+            <a:r>
+              <a:rPr lang="zh-TW" altLang="en-US" dirty="0" smtClean="0"/>
+              <a:t>目的：</a:t>
+            </a:r>
+            <a:endParaRPr lang="en-US" altLang="zh-TW" dirty="0" smtClean="0"/>
+          </a:p>
+          <a:p>
+            <a:pPr lvl="1"/>
+            <a:r>
+              <a:rPr lang="zh-TW" altLang="en-US" dirty="0" smtClean="0"/>
+              <a:t>有些程式碼</a:t>
+            </a:r>
+            <a:r>
+              <a:rPr lang="zh-TW" altLang="en-US" b="1" dirty="0" smtClean="0"/>
+              <a:t>經常會被重複使用</a:t>
+            </a:r>
+            <a:r>
+              <a:rPr lang="zh-TW" altLang="en-US" dirty="0" smtClean="0"/>
+              <a:t>，或是這段程式碼</a:t>
+            </a:r>
+            <a:r>
+              <a:rPr lang="zh-TW" altLang="en-US" b="1" dirty="0" smtClean="0"/>
+              <a:t>有特殊目的</a:t>
+            </a:r>
+            <a:r>
+              <a:rPr lang="zh-TW" altLang="en-US" dirty="0" smtClean="0"/>
+              <a:t>，我們常把這樣一段</a:t>
+            </a:r>
+            <a:r>
+              <a:rPr lang="zh-TW" altLang="en-US" dirty="0"/>
+              <a:t>程式碼集中起來成為一個區塊叫做</a:t>
+            </a:r>
+            <a:r>
+              <a:rPr lang="zh-TW" altLang="en-US" b="1" dirty="0"/>
+              <a:t>函式</a:t>
+            </a:r>
+            <a:r>
+              <a:rPr lang="zh-TW" altLang="en-US" dirty="0" smtClean="0"/>
+              <a:t>，並且賦予名稱。</a:t>
+            </a:r>
+            <a:endParaRPr lang="en-US" altLang="zh-TW" dirty="0" smtClean="0"/>
+          </a:p>
+          <a:p>
+            <a:r>
+              <a:rPr lang="zh-TW" altLang="en-US" dirty="0"/>
+              <a:t>功用</a:t>
+            </a:r>
+            <a:r>
+              <a:rPr lang="zh-TW" altLang="en-US" dirty="0" smtClean="0"/>
+              <a:t>：</a:t>
+            </a:r>
+            <a:endParaRPr lang="en-US" altLang="zh-TW" dirty="0" smtClean="0"/>
+          </a:p>
+          <a:p>
+            <a:pPr lvl="1"/>
+            <a:r>
+              <a:rPr lang="zh-TW" altLang="en-US" dirty="0"/>
+              <a:t>減少重複撰寫</a:t>
+            </a:r>
+            <a:r>
+              <a:rPr lang="zh-TW" altLang="en-US" dirty="0" smtClean="0"/>
+              <a:t>程式碼的辛苦與減少錯誤發生的機會。</a:t>
+            </a:r>
+            <a:endParaRPr lang="en-US" altLang="zh-TW" dirty="0" smtClean="0"/>
+          </a:p>
+          <a:p>
+            <a:pPr lvl="1"/>
+            <a:r>
+              <a:rPr lang="zh-TW" altLang="en-US" dirty="0"/>
+              <a:t>提高程式的可閱讀</a:t>
+            </a:r>
+            <a:r>
+              <a:rPr lang="zh-TW" altLang="en-US" dirty="0" smtClean="0"/>
+              <a:t>性。</a:t>
+            </a:r>
+            <a:endParaRPr lang="en-US" altLang="zh-TW" dirty="0" smtClean="0"/>
+          </a:p>
+          <a:p>
+            <a:pPr lvl="1"/>
+            <a:r>
+              <a:rPr lang="zh-TW" altLang="en-US" dirty="0"/>
+              <a:t>降低程式的複雜度以避免</a:t>
+            </a:r>
+            <a:r>
+              <a:rPr lang="zh-TW" altLang="en-US" dirty="0" smtClean="0"/>
+              <a:t>錯誤。</a:t>
+            </a:r>
+            <a:endParaRPr lang="zh-TW" altLang="en-US" dirty="0"/>
+          </a:p>
+          <a:p>
+            <a:endParaRPr lang="zh-TW" altLang="en-US" dirty="0"/>
+          </a:p>
+        </p:txBody>
+      </p:sp>
+    </p:spTree>
+    <p:extLst>
+      <p:ext uri="{BB962C8B-B14F-4D97-AF65-F5344CB8AC3E}">
+        <p14:creationId xmlns:p14="http://schemas.microsoft.com/office/powerpoint/2010/main" val="4148462688"/>
+      </p:ext>
+    </p:extLst>
+  </p:cSld>
+  <p:clrMapOvr>
+    <a:masterClrMapping/>
+  </p:clrMapOvr>
+  <p:timing>
+    <p:tnLst>
+      <p:par>
+        <p:cTn id="1" dur="indefinite" restart="never" nodeType="tmRoot"/>
+      </p:par>
+    </p:tnLst>
+  </p:timing>
+</p:sld>
+</file>
+
+<file path=ppt/slides/slide13.xml><?xml version="1.0" encoding="utf-8"?>
+<p:sld xmlns:a="http://schemas.openxmlformats.org/drawingml/2006/main" xmlns:r="http://schemas.openxmlformats.org/officeDocument/2006/relationships" xmlns:p="http://schemas.openxmlformats.org/presentationml/2006/main">
+  <p:cSld>
+    <p:spTree>
+      <p:nvGrpSpPr>
+        <p:cNvPr id="1" name=""/>
+        <p:cNvGrpSpPr/>
+        <p:nvPr/>
+      </p:nvGrpSpPr>
+      <p:grpSpPr>
+        <a:xfrm>
+          <a:off x="0" y="0"/>
+          <a:ext cx="0" cy="0"/>
+          <a:chOff x="0" y="0"/>
+          <a:chExt cx="0" cy="0"/>
+        </a:xfrm>
+      </p:grpSpPr>
+      <p:sp>
+        <p:nvSpPr>
+          <p:cNvPr id="2" name="標題 1"/>
+          <p:cNvSpPr>
+            <a:spLocks noGrp="1"/>
+          </p:cNvSpPr>
+          <p:nvPr>
+            <p:ph type="title"/>
+          </p:nvPr>
+        </p:nvSpPr>
+        <p:spPr/>
+        <p:txBody>
+          <a:bodyPr/>
+          <a:lstStyle/>
+          <a:p>
+            <a:r>
+              <a:rPr lang="zh-TW" altLang="en-US" dirty="0" smtClean="0"/>
+              <a:t>函式怎麼運作？</a:t>
+            </a:r>
+            <a:endParaRPr lang="zh-TW" altLang="en-US" dirty="0"/>
+          </a:p>
+        </p:txBody>
+      </p:sp>
+      <p:sp>
+        <p:nvSpPr>
+          <p:cNvPr id="4" name="文字方塊 3"/>
+          <p:cNvSpPr txBox="1"/>
+          <p:nvPr/>
+        </p:nvSpPr>
+        <p:spPr>
+          <a:xfrm>
+            <a:off x="2168347" y="1758144"/>
+            <a:ext cx="1295547" cy="4739759"/>
+          </a:xfrm>
+          <a:prstGeom prst="rect">
+            <a:avLst/>
+          </a:prstGeom>
+          <a:noFill/>
+          <a:ln>
+            <a:solidFill>
+              <a:srgbClr val="00B0F0"/>
+            </a:solidFill>
+          </a:ln>
+        </p:spPr>
+        <p:txBody>
+          <a:bodyPr wrap="none" rtlCol="0">
+            <a:spAutoFit/>
+          </a:bodyPr>
+          <a:lstStyle/>
+          <a:p>
+            <a:pPr algn="ctr"/>
+            <a:r>
+              <a:rPr lang="zh-TW" altLang="en-US" b="1" dirty="0" smtClean="0">
+                <a:solidFill>
+                  <a:srgbClr val="FF0000"/>
+                </a:solidFill>
+              </a:rPr>
+              <a:t>主程式</a:t>
+            </a:r>
+            <a:endParaRPr lang="en-US" altLang="zh-TW" b="1" dirty="0" smtClean="0">
+              <a:solidFill>
+                <a:srgbClr val="FF0000"/>
+              </a:solidFill>
+            </a:endParaRPr>
+          </a:p>
+          <a:p>
+            <a:pPr algn="ctr"/>
+            <a:endParaRPr lang="en-US" altLang="zh-TW" dirty="0" smtClean="0"/>
+          </a:p>
+          <a:p>
+            <a:pPr algn="ctr"/>
+            <a:r>
+              <a:rPr lang="zh-TW" altLang="en-US" sz="1400" dirty="0" smtClean="0"/>
+              <a:t>程式碼</a:t>
+            </a:r>
+            <a:r>
+              <a:rPr lang="en-US" altLang="zh-TW" sz="1400" dirty="0" smtClean="0"/>
+              <a:t>1</a:t>
+            </a:r>
+          </a:p>
+          <a:p>
+            <a:pPr algn="ctr"/>
+            <a:r>
+              <a:rPr lang="zh-TW" altLang="en-US" sz="1400" dirty="0" smtClean="0"/>
+              <a:t>程式碼</a:t>
+            </a:r>
+            <a:r>
+              <a:rPr lang="en-US" altLang="zh-TW" sz="1400" dirty="0" smtClean="0"/>
+              <a:t>2</a:t>
+            </a:r>
+            <a:endParaRPr lang="zh-TW" altLang="en-US" sz="1400" dirty="0"/>
+          </a:p>
+          <a:p>
+            <a:pPr algn="ctr"/>
+            <a:r>
+              <a:rPr lang="zh-TW" altLang="en-US" sz="1400" dirty="0" smtClean="0"/>
+              <a:t>程式碼</a:t>
+            </a:r>
+            <a:r>
+              <a:rPr lang="en-US" altLang="zh-TW" sz="1400" dirty="0" smtClean="0"/>
+              <a:t>3</a:t>
+            </a:r>
+            <a:endParaRPr lang="zh-TW" altLang="en-US" sz="1400" dirty="0"/>
+          </a:p>
+          <a:p>
+            <a:pPr algn="ctr"/>
+            <a:endParaRPr lang="en-US" altLang="zh-TW" sz="1400" dirty="0" smtClean="0"/>
+          </a:p>
+          <a:p>
+            <a:pPr algn="ctr"/>
+            <a:endParaRPr lang="en-US" altLang="zh-TW" sz="1400" dirty="0" smtClean="0"/>
+          </a:p>
+          <a:p>
+            <a:pPr algn="ctr"/>
+            <a:r>
+              <a:rPr lang="zh-TW" altLang="en-US" sz="1400" dirty="0"/>
+              <a:t>呼叫函</a:t>
+            </a:r>
+            <a:r>
+              <a:rPr lang="zh-TW" altLang="en-US" sz="1400" dirty="0" smtClean="0"/>
+              <a:t>式</a:t>
+            </a:r>
+            <a:r>
+              <a:rPr lang="en-US" altLang="zh-TW" sz="1400" dirty="0" smtClean="0"/>
+              <a:t>FA();</a:t>
+            </a:r>
+          </a:p>
+          <a:p>
+            <a:pPr algn="ctr"/>
+            <a:r>
+              <a:rPr lang="zh-TW" altLang="en-US" sz="1400" dirty="0" smtClean="0"/>
+              <a:t>程式碼</a:t>
+            </a:r>
+            <a:r>
+              <a:rPr lang="en-US" altLang="zh-TW" sz="1400" dirty="0" smtClean="0"/>
+              <a:t>123</a:t>
+            </a:r>
+            <a:endParaRPr lang="zh-TW" altLang="en-US" sz="1400" dirty="0"/>
+          </a:p>
+          <a:p>
+            <a:pPr algn="ctr"/>
+            <a:r>
+              <a:rPr lang="zh-TW" altLang="en-US" sz="1400" dirty="0" smtClean="0"/>
+              <a:t>程式碼</a:t>
+            </a:r>
+            <a:r>
+              <a:rPr lang="en-US" altLang="zh-TW" sz="1400" dirty="0" smtClean="0"/>
+              <a:t>124</a:t>
+            </a:r>
+            <a:endParaRPr lang="zh-TW" altLang="en-US" sz="1400" dirty="0"/>
+          </a:p>
+          <a:p>
+            <a:pPr algn="ctr"/>
+            <a:endParaRPr lang="en-US" altLang="zh-TW" sz="1400" dirty="0" smtClean="0"/>
+          </a:p>
+          <a:p>
+            <a:pPr algn="ctr"/>
+            <a:endParaRPr lang="en-US" altLang="zh-TW" sz="1400" dirty="0"/>
+          </a:p>
+          <a:p>
+            <a:pPr algn="ctr"/>
+            <a:r>
+              <a:rPr lang="zh-TW" altLang="en-US" sz="1400" dirty="0"/>
+              <a:t>呼叫函</a:t>
+            </a:r>
+            <a:r>
+              <a:rPr lang="zh-TW" altLang="en-US" sz="1400" dirty="0" smtClean="0"/>
+              <a:t>式</a:t>
+            </a:r>
+            <a:r>
+              <a:rPr lang="en-US" altLang="zh-TW" sz="1400" dirty="0" smtClean="0"/>
+              <a:t>FA</a:t>
+            </a:r>
+            <a:r>
+              <a:rPr lang="en-US" altLang="zh-TW" sz="1400" dirty="0"/>
+              <a:t>();</a:t>
+            </a:r>
+          </a:p>
+          <a:p>
+            <a:pPr algn="ctr"/>
+            <a:r>
+              <a:rPr lang="zh-TW" altLang="en-US" sz="1400" dirty="0" smtClean="0"/>
+              <a:t>程式碼</a:t>
+            </a:r>
+            <a:r>
+              <a:rPr lang="en-US" altLang="zh-TW" sz="1400" dirty="0" smtClean="0"/>
+              <a:t>301</a:t>
+            </a:r>
+            <a:endParaRPr lang="zh-TW" altLang="en-US" sz="1400" dirty="0"/>
+          </a:p>
+          <a:p>
+            <a:pPr algn="ctr"/>
+            <a:r>
+              <a:rPr lang="zh-TW" altLang="en-US" sz="1400" dirty="0" smtClean="0"/>
+              <a:t>程式碼</a:t>
+            </a:r>
+            <a:r>
+              <a:rPr lang="en-US" altLang="zh-TW" sz="1400" dirty="0" smtClean="0"/>
+              <a:t>302</a:t>
+            </a:r>
+            <a:endParaRPr lang="zh-TW" altLang="en-US" sz="1400" dirty="0"/>
+          </a:p>
+          <a:p>
+            <a:pPr algn="ctr"/>
+            <a:endParaRPr lang="en-US" altLang="zh-TW" sz="1400" dirty="0" smtClean="0"/>
+          </a:p>
+          <a:p>
+            <a:pPr algn="ctr"/>
+            <a:endParaRPr lang="en-US" altLang="zh-TW" sz="1400" dirty="0" smtClean="0"/>
+          </a:p>
+          <a:p>
+            <a:pPr algn="ctr"/>
+            <a:r>
+              <a:rPr lang="zh-TW" altLang="en-US" sz="1400" dirty="0"/>
+              <a:t>呼叫函</a:t>
+            </a:r>
+            <a:r>
+              <a:rPr lang="zh-TW" altLang="en-US" sz="1400" dirty="0" smtClean="0"/>
+              <a:t>式</a:t>
+            </a:r>
+            <a:r>
+              <a:rPr lang="en-US" altLang="zh-TW" sz="1400" dirty="0" smtClean="0"/>
+              <a:t>FB();</a:t>
+            </a:r>
+            <a:endParaRPr lang="en-US" altLang="zh-TW" sz="1400" dirty="0"/>
+          </a:p>
+          <a:p>
+            <a:pPr algn="ctr"/>
+            <a:r>
+              <a:rPr lang="zh-TW" altLang="en-US" sz="1400" dirty="0"/>
+              <a:t>程式碼</a:t>
+            </a:r>
+            <a:r>
+              <a:rPr lang="en-US" altLang="zh-TW" sz="1400" dirty="0"/>
+              <a:t>301</a:t>
+            </a:r>
+            <a:endParaRPr lang="zh-TW" altLang="en-US" sz="1400" dirty="0"/>
+          </a:p>
+          <a:p>
+            <a:pPr algn="ctr"/>
+            <a:r>
+              <a:rPr lang="zh-TW" altLang="en-US" sz="1400" dirty="0"/>
+              <a:t>程式碼</a:t>
+            </a:r>
+            <a:r>
+              <a:rPr lang="en-US" altLang="zh-TW" sz="1400" dirty="0"/>
+              <a:t>302</a:t>
+            </a:r>
+            <a:endParaRPr lang="zh-TW" altLang="en-US" sz="1400" dirty="0"/>
+          </a:p>
+          <a:p>
+            <a:pPr algn="ctr"/>
+            <a:endParaRPr lang="zh-TW" altLang="en-US" sz="1400" dirty="0"/>
+          </a:p>
+        </p:txBody>
+      </p:sp>
+      <p:sp>
+        <p:nvSpPr>
+          <p:cNvPr id="5" name="文字方塊 4"/>
+          <p:cNvSpPr txBox="1"/>
+          <p:nvPr/>
+        </p:nvSpPr>
+        <p:spPr>
+          <a:xfrm>
+            <a:off x="5246667" y="1758144"/>
+            <a:ext cx="1084015" cy="1938992"/>
+          </a:xfrm>
+          <a:prstGeom prst="rect">
+            <a:avLst/>
+          </a:prstGeom>
+          <a:noFill/>
+          <a:ln>
+            <a:solidFill>
+              <a:srgbClr val="00B0F0"/>
+            </a:solidFill>
+          </a:ln>
+        </p:spPr>
+        <p:txBody>
+          <a:bodyPr wrap="none" rtlCol="0">
+            <a:spAutoFit/>
+          </a:bodyPr>
+          <a:lstStyle/>
+          <a:p>
+            <a:pPr algn="ctr"/>
+            <a:r>
+              <a:rPr lang="zh-TW" altLang="en-US" b="1" dirty="0" smtClean="0">
+                <a:solidFill>
+                  <a:srgbClr val="FF0000"/>
+                </a:solidFill>
+              </a:rPr>
+              <a:t>函式</a:t>
+            </a:r>
+            <a:r>
+              <a:rPr lang="en-US" altLang="zh-TW" b="1" dirty="0" smtClean="0">
+                <a:solidFill>
+                  <a:srgbClr val="FF0000"/>
+                </a:solidFill>
+              </a:rPr>
+              <a:t>FA()</a:t>
+            </a:r>
+          </a:p>
+          <a:p>
+            <a:pPr algn="ctr"/>
+            <a:endParaRPr lang="en-US" altLang="zh-TW" dirty="0" smtClean="0"/>
+          </a:p>
+          <a:p>
+            <a:pPr algn="ctr"/>
+            <a:r>
+              <a:rPr lang="zh-TW" altLang="en-US" sz="1400" dirty="0" smtClean="0"/>
+              <a:t>程式碼</a:t>
+            </a:r>
+            <a:r>
+              <a:rPr lang="en-US" altLang="zh-TW" sz="1400" dirty="0" smtClean="0"/>
+              <a:t>1</a:t>
+            </a:r>
+          </a:p>
+          <a:p>
+            <a:pPr algn="ctr"/>
+            <a:r>
+              <a:rPr lang="zh-TW" altLang="en-US" sz="1400" dirty="0" smtClean="0"/>
+              <a:t>程式碼</a:t>
+            </a:r>
+            <a:r>
+              <a:rPr lang="en-US" altLang="zh-TW" sz="1400" dirty="0" smtClean="0"/>
+              <a:t>2</a:t>
+            </a:r>
+            <a:endParaRPr lang="zh-TW" altLang="en-US" sz="1400" dirty="0"/>
+          </a:p>
+          <a:p>
+            <a:pPr algn="ctr"/>
+            <a:r>
+              <a:rPr lang="zh-TW" altLang="en-US" sz="1400" dirty="0" smtClean="0"/>
+              <a:t>程式碼</a:t>
+            </a:r>
+            <a:r>
+              <a:rPr lang="en-US" altLang="zh-TW" sz="1400" dirty="0" smtClean="0"/>
+              <a:t>3</a:t>
+            </a:r>
+            <a:endParaRPr lang="zh-TW" altLang="en-US" sz="1400" dirty="0"/>
+          </a:p>
+          <a:p>
+            <a:pPr algn="ctr"/>
+            <a:endParaRPr lang="en-US" altLang="zh-TW" sz="1400" dirty="0" smtClean="0"/>
+          </a:p>
+          <a:p>
+            <a:pPr algn="ctr"/>
+            <a:endParaRPr lang="en-US" altLang="zh-TW" sz="1400" dirty="0"/>
+          </a:p>
+          <a:p>
+            <a:pPr algn="ctr"/>
+            <a:r>
+              <a:rPr lang="zh-TW" altLang="en-US" sz="1400" dirty="0" smtClean="0"/>
+              <a:t>結束</a:t>
+            </a:r>
+            <a:r>
+              <a:rPr lang="en-US" altLang="zh-TW" sz="1400" dirty="0" smtClean="0"/>
+              <a:t>FA()</a:t>
+            </a:r>
+          </a:p>
+        </p:txBody>
+      </p:sp>
+      <p:sp>
+        <p:nvSpPr>
+          <p:cNvPr id="6" name="文字方塊 5"/>
+          <p:cNvSpPr txBox="1"/>
+          <p:nvPr/>
+        </p:nvSpPr>
+        <p:spPr>
+          <a:xfrm>
+            <a:off x="5140744" y="4295648"/>
+            <a:ext cx="1301959" cy="2154436"/>
+          </a:xfrm>
+          <a:prstGeom prst="rect">
+            <a:avLst/>
+          </a:prstGeom>
+          <a:noFill/>
+          <a:ln>
+            <a:solidFill>
+              <a:srgbClr val="00B0F0"/>
+            </a:solidFill>
+          </a:ln>
+        </p:spPr>
+        <p:txBody>
+          <a:bodyPr wrap="none" rtlCol="0">
+            <a:spAutoFit/>
+          </a:bodyPr>
+          <a:lstStyle/>
+          <a:p>
+            <a:pPr algn="ctr"/>
+            <a:r>
+              <a:rPr lang="zh-TW" altLang="en-US" b="1" dirty="0" smtClean="0">
+                <a:solidFill>
+                  <a:srgbClr val="FF0000"/>
+                </a:solidFill>
+              </a:rPr>
+              <a:t>函式</a:t>
+            </a:r>
+            <a:r>
+              <a:rPr lang="en-US" altLang="zh-TW" b="1" dirty="0" smtClean="0">
+                <a:solidFill>
+                  <a:srgbClr val="FF0000"/>
+                </a:solidFill>
+              </a:rPr>
+              <a:t>FB()</a:t>
+            </a:r>
+          </a:p>
+          <a:p>
+            <a:pPr algn="ctr"/>
+            <a:endParaRPr lang="en-US" altLang="zh-TW" dirty="0" smtClean="0"/>
+          </a:p>
+          <a:p>
+            <a:pPr algn="ctr"/>
+            <a:r>
+              <a:rPr lang="zh-TW" altLang="en-US" sz="1400" dirty="0" smtClean="0"/>
+              <a:t>程式碼</a:t>
+            </a:r>
+            <a:r>
+              <a:rPr lang="en-US" altLang="zh-TW" sz="1400" dirty="0" smtClean="0"/>
+              <a:t>1</a:t>
+            </a:r>
+          </a:p>
+          <a:p>
+            <a:pPr algn="ctr"/>
+            <a:r>
+              <a:rPr lang="zh-TW" altLang="en-US" sz="1400" dirty="0" smtClean="0"/>
+              <a:t>程式碼</a:t>
+            </a:r>
+            <a:r>
+              <a:rPr lang="en-US" altLang="zh-TW" sz="1400" dirty="0" smtClean="0"/>
+              <a:t>2</a:t>
+            </a:r>
+            <a:endParaRPr lang="zh-TW" altLang="en-US" sz="1400" dirty="0"/>
+          </a:p>
+          <a:p>
+            <a:pPr algn="ctr"/>
+            <a:r>
+              <a:rPr lang="zh-TW" altLang="en-US" sz="1400" dirty="0"/>
+              <a:t>呼叫函</a:t>
+            </a:r>
+            <a:r>
+              <a:rPr lang="zh-TW" altLang="en-US" sz="1400" dirty="0" smtClean="0"/>
+              <a:t>式</a:t>
+            </a:r>
+            <a:r>
+              <a:rPr lang="en-US" altLang="zh-TW" sz="1400" dirty="0" smtClean="0"/>
+              <a:t>FC();</a:t>
+            </a:r>
+            <a:endParaRPr lang="en-US" altLang="zh-TW" sz="1400" dirty="0"/>
+          </a:p>
+          <a:p>
+            <a:pPr algn="ctr"/>
+            <a:r>
+              <a:rPr lang="zh-TW" altLang="en-US" sz="1400" dirty="0" smtClean="0"/>
+              <a:t>程式碼</a:t>
+            </a:r>
+            <a:r>
+              <a:rPr lang="en-US" altLang="zh-TW" sz="1400" dirty="0" smtClean="0"/>
+              <a:t>4</a:t>
+            </a:r>
+            <a:endParaRPr lang="zh-TW" altLang="en-US" sz="1400" dirty="0"/>
+          </a:p>
+          <a:p>
+            <a:pPr algn="ctr"/>
+            <a:endParaRPr lang="en-US" altLang="zh-TW" sz="1400" dirty="0" smtClean="0"/>
+          </a:p>
+          <a:p>
+            <a:pPr algn="ctr"/>
+            <a:endParaRPr lang="en-US" altLang="zh-TW" sz="1400" dirty="0"/>
+          </a:p>
+          <a:p>
+            <a:pPr algn="ctr"/>
+            <a:r>
+              <a:rPr lang="zh-TW" altLang="en-US" sz="1400" dirty="0" smtClean="0"/>
+              <a:t>結束</a:t>
+            </a:r>
+            <a:r>
+              <a:rPr lang="en-US" altLang="zh-TW" sz="1400" dirty="0" smtClean="0"/>
+              <a:t>FA()</a:t>
+            </a:r>
+          </a:p>
+        </p:txBody>
+      </p:sp>
+      <p:sp>
+        <p:nvSpPr>
+          <p:cNvPr id="7" name="文字方塊 6"/>
+          <p:cNvSpPr txBox="1"/>
+          <p:nvPr/>
+        </p:nvSpPr>
+        <p:spPr>
+          <a:xfrm>
+            <a:off x="7612357" y="3326152"/>
+            <a:ext cx="1091966" cy="1938992"/>
+          </a:xfrm>
+          <a:prstGeom prst="rect">
+            <a:avLst/>
+          </a:prstGeom>
+          <a:noFill/>
+          <a:ln>
+            <a:solidFill>
+              <a:srgbClr val="00B0F0"/>
+            </a:solidFill>
+          </a:ln>
+        </p:spPr>
+        <p:txBody>
+          <a:bodyPr wrap="none" rtlCol="0">
+            <a:spAutoFit/>
+          </a:bodyPr>
+          <a:lstStyle/>
+          <a:p>
+            <a:pPr algn="ctr"/>
+            <a:r>
+              <a:rPr lang="zh-TW" altLang="en-US" b="1" dirty="0" smtClean="0">
+                <a:solidFill>
+                  <a:srgbClr val="FF0000"/>
+                </a:solidFill>
+              </a:rPr>
+              <a:t>函式</a:t>
+            </a:r>
+            <a:r>
+              <a:rPr lang="en-US" altLang="zh-TW" b="1" dirty="0" smtClean="0">
+                <a:solidFill>
+                  <a:srgbClr val="FF0000"/>
+                </a:solidFill>
+              </a:rPr>
+              <a:t>FC()</a:t>
+            </a:r>
+          </a:p>
+          <a:p>
+            <a:pPr algn="ctr"/>
+            <a:endParaRPr lang="en-US" altLang="zh-TW" dirty="0" smtClean="0"/>
+          </a:p>
+          <a:p>
+            <a:pPr algn="ctr"/>
+            <a:r>
+              <a:rPr lang="zh-TW" altLang="en-US" sz="1400" dirty="0" smtClean="0"/>
+              <a:t>程式碼</a:t>
+            </a:r>
+            <a:r>
+              <a:rPr lang="en-US" altLang="zh-TW" sz="1400" dirty="0" smtClean="0"/>
+              <a:t>1</a:t>
+            </a:r>
+          </a:p>
+          <a:p>
+            <a:pPr algn="ctr"/>
+            <a:r>
+              <a:rPr lang="zh-TW" altLang="en-US" sz="1400" dirty="0" smtClean="0"/>
+              <a:t>程式碼</a:t>
+            </a:r>
+            <a:r>
+              <a:rPr lang="en-US" altLang="zh-TW" sz="1400" dirty="0" smtClean="0"/>
+              <a:t>2</a:t>
+            </a:r>
+            <a:endParaRPr lang="zh-TW" altLang="en-US" sz="1400" dirty="0"/>
+          </a:p>
+          <a:p>
+            <a:pPr algn="ctr"/>
+            <a:r>
+              <a:rPr lang="zh-TW" altLang="en-US" sz="1400" dirty="0" smtClean="0"/>
+              <a:t>程式碼</a:t>
+            </a:r>
+            <a:r>
+              <a:rPr lang="en-US" altLang="zh-TW" sz="1400" dirty="0" smtClean="0"/>
+              <a:t>3</a:t>
+            </a:r>
+            <a:endParaRPr lang="zh-TW" altLang="en-US" sz="1400" dirty="0"/>
+          </a:p>
+          <a:p>
+            <a:pPr algn="ctr"/>
+            <a:endParaRPr lang="en-US" altLang="zh-TW" sz="1400" dirty="0" smtClean="0"/>
+          </a:p>
+          <a:p>
+            <a:pPr algn="ctr"/>
+            <a:endParaRPr lang="en-US" altLang="zh-TW" sz="1400" dirty="0"/>
+          </a:p>
+          <a:p>
+            <a:pPr algn="ctr"/>
+            <a:r>
+              <a:rPr lang="zh-TW" altLang="en-US" sz="1400" dirty="0" smtClean="0"/>
+              <a:t>結束</a:t>
+            </a:r>
+            <a:r>
+              <a:rPr lang="en-US" altLang="zh-TW" sz="1400" dirty="0" smtClean="0"/>
+              <a:t>A()</a:t>
+            </a:r>
+          </a:p>
+        </p:txBody>
+      </p:sp>
+      <p:grpSp>
+        <p:nvGrpSpPr>
+          <p:cNvPr id="12" name="群組 11"/>
+          <p:cNvGrpSpPr/>
+          <p:nvPr/>
+        </p:nvGrpSpPr>
+        <p:grpSpPr>
+          <a:xfrm>
+            <a:off x="2752112" y="3014936"/>
+            <a:ext cx="64008" cy="328803"/>
+            <a:chOff x="2752112" y="3014936"/>
+            <a:chExt cx="64008" cy="328803"/>
+          </a:xfrm>
+        </p:grpSpPr>
+        <p:sp>
+          <p:nvSpPr>
+            <p:cNvPr id="9" name="橢圓 8"/>
+            <p:cNvSpPr/>
+            <p:nvPr/>
+          </p:nvSpPr>
+          <p:spPr>
+            <a:xfrm>
+              <a:off x="2752112" y="3014936"/>
+              <a:ext cx="64008" cy="64008"/>
+            </a:xfrm>
+            <a:prstGeom prst="ellipse">
+              <a:avLst/>
+            </a:prstGeom>
+            <a:solidFill>
+              <a:schemeClr val="tx1"/>
+            </a:solidFill>
+            <a:ln>
+              <a:solidFill>
+                <a:schemeClr val="tx1"/>
+              </a:solidFill>
+            </a:ln>
+          </p:spPr>
+          <p:style>
+            <a:lnRef idx="2">
+              <a:schemeClr val="accent1">
+                <a:shade val="50000"/>
+              </a:schemeClr>
+            </a:lnRef>
+            <a:fillRef idx="1">
+              <a:schemeClr val="accent1"/>
+            </a:fillRef>
+            <a:effectRef idx="0">
+              <a:schemeClr val="accent1"/>
+            </a:effectRef>
+            <a:fontRef idx="minor">
+              <a:schemeClr val="lt1"/>
+            </a:fontRef>
+          </p:style>
+          <p:txBody>
+            <a:bodyPr rtlCol="0" anchor="ctr"/>
+            <a:lstStyle/>
+            <a:p>
+              <a:pPr algn="ctr"/>
+              <a:endParaRPr lang="zh-TW" altLang="en-US"/>
+            </a:p>
+          </p:txBody>
+        </p:sp>
+        <p:sp>
+          <p:nvSpPr>
+            <p:cNvPr id="10" name="橢圓 9"/>
+            <p:cNvSpPr/>
+            <p:nvPr/>
+          </p:nvSpPr>
+          <p:spPr>
+            <a:xfrm>
+              <a:off x="2752112" y="3154001"/>
+              <a:ext cx="64008" cy="64008"/>
+            </a:xfrm>
+            <a:prstGeom prst="ellipse">
+              <a:avLst/>
+            </a:prstGeom>
+            <a:solidFill>
+              <a:schemeClr val="tx1"/>
+            </a:solidFill>
+            <a:ln>
+              <a:solidFill>
+                <a:schemeClr val="tx1"/>
+              </a:solidFill>
+            </a:ln>
+          </p:spPr>
+          <p:style>
+            <a:lnRef idx="2">
+              <a:schemeClr val="accent1">
+                <a:shade val="50000"/>
+              </a:schemeClr>
+            </a:lnRef>
+            <a:fillRef idx="1">
+              <a:schemeClr val="accent1"/>
+            </a:fillRef>
+            <a:effectRef idx="0">
+              <a:schemeClr val="accent1"/>
+            </a:effectRef>
+            <a:fontRef idx="minor">
+              <a:schemeClr val="lt1"/>
+            </a:fontRef>
+          </p:style>
+          <p:txBody>
+            <a:bodyPr rtlCol="0" anchor="ctr"/>
+            <a:lstStyle/>
+            <a:p>
+              <a:pPr algn="ctr"/>
+              <a:endParaRPr lang="zh-TW" altLang="en-US"/>
+            </a:p>
+          </p:txBody>
+        </p:sp>
+        <p:sp>
+          <p:nvSpPr>
+            <p:cNvPr id="11" name="橢圓 10"/>
+            <p:cNvSpPr/>
+            <p:nvPr/>
+          </p:nvSpPr>
+          <p:spPr>
+            <a:xfrm>
+              <a:off x="2752112" y="3279731"/>
+              <a:ext cx="64008" cy="64008"/>
+            </a:xfrm>
+            <a:prstGeom prst="ellipse">
+              <a:avLst/>
+            </a:prstGeom>
+            <a:solidFill>
+              <a:schemeClr val="tx1"/>
+            </a:solidFill>
+            <a:ln>
+              <a:solidFill>
+                <a:schemeClr val="tx1"/>
+              </a:solidFill>
+            </a:ln>
+          </p:spPr>
+          <p:style>
+            <a:lnRef idx="2">
+              <a:schemeClr val="accent1">
+                <a:shade val="50000"/>
+              </a:schemeClr>
+            </a:lnRef>
+            <a:fillRef idx="1">
+              <a:schemeClr val="accent1"/>
+            </a:fillRef>
+            <a:effectRef idx="0">
+              <a:schemeClr val="accent1"/>
+            </a:effectRef>
+            <a:fontRef idx="minor">
+              <a:schemeClr val="lt1"/>
+            </a:fontRef>
+          </p:style>
+          <p:txBody>
+            <a:bodyPr rtlCol="0" anchor="ctr"/>
+            <a:lstStyle/>
+            <a:p>
+              <a:pPr algn="ctr"/>
+              <a:endParaRPr lang="zh-TW" altLang="en-US"/>
+            </a:p>
+          </p:txBody>
+        </p:sp>
+      </p:grpSp>
+      <p:grpSp>
+        <p:nvGrpSpPr>
+          <p:cNvPr id="13" name="群組 12"/>
+          <p:cNvGrpSpPr/>
+          <p:nvPr/>
+        </p:nvGrpSpPr>
+        <p:grpSpPr>
+          <a:xfrm>
+            <a:off x="2752112" y="4131246"/>
+            <a:ext cx="64008" cy="328803"/>
+            <a:chOff x="2752112" y="3014936"/>
+            <a:chExt cx="64008" cy="328803"/>
+          </a:xfrm>
+        </p:grpSpPr>
+        <p:sp>
+          <p:nvSpPr>
+            <p:cNvPr id="14" name="橢圓 13"/>
+            <p:cNvSpPr/>
+            <p:nvPr/>
+          </p:nvSpPr>
+          <p:spPr>
+            <a:xfrm>
+              <a:off x="2752112" y="3014936"/>
+              <a:ext cx="64008" cy="64008"/>
+            </a:xfrm>
+            <a:prstGeom prst="ellipse">
+              <a:avLst/>
+            </a:prstGeom>
+            <a:solidFill>
+              <a:schemeClr val="tx1"/>
+            </a:solidFill>
+            <a:ln>
+              <a:solidFill>
+                <a:schemeClr val="tx1"/>
+              </a:solidFill>
+            </a:ln>
+          </p:spPr>
+          <p:style>
+            <a:lnRef idx="2">
+              <a:schemeClr val="accent1">
+                <a:shade val="50000"/>
+              </a:schemeClr>
+            </a:lnRef>
+            <a:fillRef idx="1">
+              <a:schemeClr val="accent1"/>
+            </a:fillRef>
+            <a:effectRef idx="0">
+              <a:schemeClr val="accent1"/>
+            </a:effectRef>
+            <a:fontRef idx="minor">
+              <a:schemeClr val="lt1"/>
+            </a:fontRef>
+          </p:style>
+          <p:txBody>
+            <a:bodyPr rtlCol="0" anchor="ctr"/>
+            <a:lstStyle/>
+            <a:p>
+              <a:pPr algn="ctr"/>
+              <a:endParaRPr lang="zh-TW" altLang="en-US"/>
+            </a:p>
+          </p:txBody>
+        </p:sp>
+        <p:sp>
+          <p:nvSpPr>
+            <p:cNvPr id="15" name="橢圓 14"/>
+            <p:cNvSpPr/>
+            <p:nvPr/>
+          </p:nvSpPr>
+          <p:spPr>
+            <a:xfrm>
+              <a:off x="2752112" y="3154001"/>
+              <a:ext cx="64008" cy="64008"/>
+            </a:xfrm>
+            <a:prstGeom prst="ellipse">
+              <a:avLst/>
+            </a:prstGeom>
+            <a:solidFill>
+              <a:schemeClr val="tx1"/>
+            </a:solidFill>
+            <a:ln>
+              <a:solidFill>
+                <a:schemeClr val="tx1"/>
+              </a:solidFill>
+            </a:ln>
+          </p:spPr>
+          <p:style>
+            <a:lnRef idx="2">
+              <a:schemeClr val="accent1">
+                <a:shade val="50000"/>
+              </a:schemeClr>
+            </a:lnRef>
+            <a:fillRef idx="1">
+              <a:schemeClr val="accent1"/>
+            </a:fillRef>
+            <a:effectRef idx="0">
+              <a:schemeClr val="accent1"/>
+            </a:effectRef>
+            <a:fontRef idx="minor">
+              <a:schemeClr val="lt1"/>
+            </a:fontRef>
+          </p:style>
+          <p:txBody>
+            <a:bodyPr rtlCol="0" anchor="ctr"/>
+            <a:lstStyle/>
+            <a:p>
+              <a:pPr algn="ctr"/>
+              <a:endParaRPr lang="zh-TW" altLang="en-US"/>
+            </a:p>
+          </p:txBody>
+        </p:sp>
+        <p:sp>
+          <p:nvSpPr>
+            <p:cNvPr id="16" name="橢圓 15"/>
+            <p:cNvSpPr/>
+            <p:nvPr/>
+          </p:nvSpPr>
+          <p:spPr>
+            <a:xfrm>
+              <a:off x="2752112" y="3279731"/>
+              <a:ext cx="64008" cy="64008"/>
+            </a:xfrm>
+            <a:prstGeom prst="ellipse">
+              <a:avLst/>
+            </a:prstGeom>
+            <a:solidFill>
+              <a:schemeClr val="tx1"/>
+            </a:solidFill>
+            <a:ln>
+              <a:solidFill>
+                <a:schemeClr val="tx1"/>
+              </a:solidFill>
+            </a:ln>
+          </p:spPr>
+          <p:style>
+            <a:lnRef idx="2">
+              <a:schemeClr val="accent1">
+                <a:shade val="50000"/>
+              </a:schemeClr>
+            </a:lnRef>
+            <a:fillRef idx="1">
+              <a:schemeClr val="accent1"/>
+            </a:fillRef>
+            <a:effectRef idx="0">
+              <a:schemeClr val="accent1"/>
+            </a:effectRef>
+            <a:fontRef idx="minor">
+              <a:schemeClr val="lt1"/>
+            </a:fontRef>
+          </p:style>
+          <p:txBody>
+            <a:bodyPr rtlCol="0" anchor="ctr"/>
+            <a:lstStyle/>
+            <a:p>
+              <a:pPr algn="ctr"/>
+              <a:endParaRPr lang="zh-TW" altLang="en-US"/>
+            </a:p>
+          </p:txBody>
+        </p:sp>
+      </p:grpSp>
+      <p:grpSp>
+        <p:nvGrpSpPr>
+          <p:cNvPr id="17" name="群組 16"/>
+          <p:cNvGrpSpPr/>
+          <p:nvPr/>
+        </p:nvGrpSpPr>
+        <p:grpSpPr>
+          <a:xfrm>
+            <a:off x="2752112" y="5179396"/>
+            <a:ext cx="64008" cy="328803"/>
+            <a:chOff x="2752112" y="3014936"/>
+            <a:chExt cx="64008" cy="328803"/>
+          </a:xfrm>
+        </p:grpSpPr>
+        <p:sp>
+          <p:nvSpPr>
+            <p:cNvPr id="18" name="橢圓 17"/>
+            <p:cNvSpPr/>
+            <p:nvPr/>
+          </p:nvSpPr>
+          <p:spPr>
+            <a:xfrm>
+              <a:off x="2752112" y="3014936"/>
+              <a:ext cx="64008" cy="64008"/>
+            </a:xfrm>
+            <a:prstGeom prst="ellipse">
+              <a:avLst/>
+            </a:prstGeom>
+            <a:solidFill>
+              <a:schemeClr val="tx1"/>
+            </a:solidFill>
+            <a:ln>
+              <a:solidFill>
+                <a:schemeClr val="tx1"/>
+              </a:solidFill>
+            </a:ln>
+          </p:spPr>
+          <p:style>
+            <a:lnRef idx="2">
+              <a:schemeClr val="accent1">
+                <a:shade val="50000"/>
+              </a:schemeClr>
+            </a:lnRef>
+            <a:fillRef idx="1">
+              <a:schemeClr val="accent1"/>
+            </a:fillRef>
+            <a:effectRef idx="0">
+              <a:schemeClr val="accent1"/>
+            </a:effectRef>
+            <a:fontRef idx="minor">
+              <a:schemeClr val="lt1"/>
+            </a:fontRef>
+          </p:style>
+          <p:txBody>
+            <a:bodyPr rtlCol="0" anchor="ctr"/>
+            <a:lstStyle/>
+            <a:p>
+              <a:pPr algn="ctr"/>
+              <a:endParaRPr lang="zh-TW" altLang="en-US"/>
+            </a:p>
+          </p:txBody>
+        </p:sp>
+        <p:sp>
+          <p:nvSpPr>
+            <p:cNvPr id="19" name="橢圓 18"/>
+            <p:cNvSpPr/>
+            <p:nvPr/>
+          </p:nvSpPr>
+          <p:spPr>
+            <a:xfrm>
+              <a:off x="2752112" y="3154001"/>
+              <a:ext cx="64008" cy="64008"/>
+            </a:xfrm>
+            <a:prstGeom prst="ellipse">
+              <a:avLst/>
+            </a:prstGeom>
+            <a:solidFill>
+              <a:schemeClr val="tx1"/>
+            </a:solidFill>
+            <a:ln>
+              <a:solidFill>
+                <a:schemeClr val="tx1"/>
+              </a:solidFill>
+            </a:ln>
+          </p:spPr>
+          <p:style>
+            <a:lnRef idx="2">
+              <a:schemeClr val="accent1">
+                <a:shade val="50000"/>
+              </a:schemeClr>
+            </a:lnRef>
+            <a:fillRef idx="1">
+              <a:schemeClr val="accent1"/>
+            </a:fillRef>
+            <a:effectRef idx="0">
+              <a:schemeClr val="accent1"/>
+            </a:effectRef>
+            <a:fontRef idx="minor">
+              <a:schemeClr val="lt1"/>
+            </a:fontRef>
+          </p:style>
+          <p:txBody>
+            <a:bodyPr rtlCol="0" anchor="ctr"/>
+            <a:lstStyle/>
+            <a:p>
+              <a:pPr algn="ctr"/>
+              <a:endParaRPr lang="zh-TW" altLang="en-US"/>
+            </a:p>
+          </p:txBody>
+        </p:sp>
+        <p:sp>
+          <p:nvSpPr>
+            <p:cNvPr id="20" name="橢圓 19"/>
+            <p:cNvSpPr/>
+            <p:nvPr/>
+          </p:nvSpPr>
+          <p:spPr>
+            <a:xfrm>
+              <a:off x="2752112" y="3279731"/>
+              <a:ext cx="64008" cy="64008"/>
+            </a:xfrm>
+            <a:prstGeom prst="ellipse">
+              <a:avLst/>
+            </a:prstGeom>
+            <a:solidFill>
+              <a:schemeClr val="tx1"/>
+            </a:solidFill>
+            <a:ln>
+              <a:solidFill>
+                <a:schemeClr val="tx1"/>
+              </a:solidFill>
+            </a:ln>
+          </p:spPr>
+          <p:style>
+            <a:lnRef idx="2">
+              <a:schemeClr val="accent1">
+                <a:shade val="50000"/>
+              </a:schemeClr>
+            </a:lnRef>
+            <a:fillRef idx="1">
+              <a:schemeClr val="accent1"/>
+            </a:fillRef>
+            <a:effectRef idx="0">
+              <a:schemeClr val="accent1"/>
+            </a:effectRef>
+            <a:fontRef idx="minor">
+              <a:schemeClr val="lt1"/>
+            </a:fontRef>
+          </p:style>
+          <p:txBody>
+            <a:bodyPr rtlCol="0" anchor="ctr"/>
+            <a:lstStyle/>
+            <a:p>
+              <a:pPr algn="ctr"/>
+              <a:endParaRPr lang="zh-TW" altLang="en-US"/>
+            </a:p>
+          </p:txBody>
+        </p:sp>
+      </p:grpSp>
+      <p:grpSp>
+        <p:nvGrpSpPr>
+          <p:cNvPr id="21" name="群組 20"/>
+          <p:cNvGrpSpPr/>
+          <p:nvPr/>
+        </p:nvGrpSpPr>
+        <p:grpSpPr>
+          <a:xfrm>
+            <a:off x="5756670" y="3076680"/>
+            <a:ext cx="64008" cy="328803"/>
+            <a:chOff x="2752112" y="3014936"/>
+            <a:chExt cx="64008" cy="328803"/>
+          </a:xfrm>
+        </p:grpSpPr>
+        <p:sp>
+          <p:nvSpPr>
+            <p:cNvPr id="22" name="橢圓 21"/>
+            <p:cNvSpPr/>
+            <p:nvPr/>
+          </p:nvSpPr>
+          <p:spPr>
+            <a:xfrm>
+              <a:off x="2752112" y="3014936"/>
+              <a:ext cx="64008" cy="64008"/>
+            </a:xfrm>
+            <a:prstGeom prst="ellipse">
+              <a:avLst/>
+            </a:prstGeom>
+            <a:solidFill>
+              <a:schemeClr val="tx1"/>
+            </a:solidFill>
+            <a:ln>
+              <a:solidFill>
+                <a:schemeClr val="tx1"/>
+              </a:solidFill>
+            </a:ln>
+          </p:spPr>
+          <p:style>
+            <a:lnRef idx="2">
+              <a:schemeClr val="accent1">
+                <a:shade val="50000"/>
+              </a:schemeClr>
+            </a:lnRef>
+            <a:fillRef idx="1">
+              <a:schemeClr val="accent1"/>
+            </a:fillRef>
+            <a:effectRef idx="0">
+              <a:schemeClr val="accent1"/>
+            </a:effectRef>
+            <a:fontRef idx="minor">
+              <a:schemeClr val="lt1"/>
+            </a:fontRef>
+          </p:style>
+          <p:txBody>
+            <a:bodyPr rtlCol="0" anchor="ctr"/>
+            <a:lstStyle/>
+            <a:p>
+              <a:pPr algn="ctr"/>
+              <a:endParaRPr lang="zh-TW" altLang="en-US"/>
+            </a:p>
+          </p:txBody>
+        </p:sp>
+        <p:sp>
+          <p:nvSpPr>
+            <p:cNvPr id="23" name="橢圓 22"/>
+            <p:cNvSpPr/>
+            <p:nvPr/>
+          </p:nvSpPr>
+          <p:spPr>
+            <a:xfrm>
+              <a:off x="2752112" y="3154001"/>
+              <a:ext cx="64008" cy="64008"/>
+            </a:xfrm>
+            <a:prstGeom prst="ellipse">
+              <a:avLst/>
+            </a:prstGeom>
+            <a:solidFill>
+              <a:schemeClr val="tx1"/>
+            </a:solidFill>
+            <a:ln>
+              <a:solidFill>
+                <a:schemeClr val="tx1"/>
+              </a:solidFill>
+            </a:ln>
+          </p:spPr>
+          <p:style>
+            <a:lnRef idx="2">
+              <a:schemeClr val="accent1">
+                <a:shade val="50000"/>
+              </a:schemeClr>
+            </a:lnRef>
+            <a:fillRef idx="1">
+              <a:schemeClr val="accent1"/>
+            </a:fillRef>
+            <a:effectRef idx="0">
+              <a:schemeClr val="accent1"/>
+            </a:effectRef>
+            <a:fontRef idx="minor">
+              <a:schemeClr val="lt1"/>
+            </a:fontRef>
+          </p:style>
+          <p:txBody>
+            <a:bodyPr rtlCol="0" anchor="ctr"/>
+            <a:lstStyle/>
+            <a:p>
+              <a:pPr algn="ctr"/>
+              <a:endParaRPr lang="zh-TW" altLang="en-US"/>
+            </a:p>
+          </p:txBody>
+        </p:sp>
+        <p:sp>
+          <p:nvSpPr>
+            <p:cNvPr id="24" name="橢圓 23"/>
+            <p:cNvSpPr/>
+            <p:nvPr/>
+          </p:nvSpPr>
+          <p:spPr>
+            <a:xfrm>
+              <a:off x="2752112" y="3279731"/>
+              <a:ext cx="64008" cy="64008"/>
+            </a:xfrm>
+            <a:prstGeom prst="ellipse">
+              <a:avLst/>
+            </a:prstGeom>
+            <a:solidFill>
+              <a:schemeClr val="tx1"/>
+            </a:solidFill>
+            <a:ln>
+              <a:solidFill>
+                <a:schemeClr val="tx1"/>
+              </a:solidFill>
+            </a:ln>
+          </p:spPr>
+          <p:style>
+            <a:lnRef idx="2">
+              <a:schemeClr val="accent1">
+                <a:shade val="50000"/>
+              </a:schemeClr>
+            </a:lnRef>
+            <a:fillRef idx="1">
+              <a:schemeClr val="accent1"/>
+            </a:fillRef>
+            <a:effectRef idx="0">
+              <a:schemeClr val="accent1"/>
+            </a:effectRef>
+            <a:fontRef idx="minor">
+              <a:schemeClr val="lt1"/>
+            </a:fontRef>
+          </p:style>
+          <p:txBody>
+            <a:bodyPr rtlCol="0" anchor="ctr"/>
+            <a:lstStyle/>
+            <a:p>
+              <a:pPr algn="ctr"/>
+              <a:endParaRPr lang="zh-TW" altLang="en-US"/>
+            </a:p>
+          </p:txBody>
+        </p:sp>
+      </p:grpSp>
+      <p:grpSp>
+        <p:nvGrpSpPr>
+          <p:cNvPr id="25" name="群組 24"/>
+          <p:cNvGrpSpPr/>
+          <p:nvPr/>
+        </p:nvGrpSpPr>
+        <p:grpSpPr>
+          <a:xfrm>
+            <a:off x="5756670" y="5779218"/>
+            <a:ext cx="64008" cy="328803"/>
+            <a:chOff x="2752112" y="3014936"/>
+            <a:chExt cx="64008" cy="328803"/>
+          </a:xfrm>
+        </p:grpSpPr>
+        <p:sp>
+          <p:nvSpPr>
+            <p:cNvPr id="26" name="橢圓 25"/>
+            <p:cNvSpPr/>
+            <p:nvPr/>
+          </p:nvSpPr>
+          <p:spPr>
+            <a:xfrm>
+              <a:off x="2752112" y="3014936"/>
+              <a:ext cx="64008" cy="64008"/>
+            </a:xfrm>
+            <a:prstGeom prst="ellipse">
+              <a:avLst/>
+            </a:prstGeom>
+            <a:solidFill>
+              <a:schemeClr val="tx1"/>
+            </a:solidFill>
+            <a:ln>
+              <a:solidFill>
+                <a:schemeClr val="tx1"/>
+              </a:solidFill>
+            </a:ln>
+          </p:spPr>
+          <p:style>
+            <a:lnRef idx="2">
+              <a:schemeClr val="accent1">
+                <a:shade val="50000"/>
+              </a:schemeClr>
+            </a:lnRef>
+            <a:fillRef idx="1">
+              <a:schemeClr val="accent1"/>
+            </a:fillRef>
+            <a:effectRef idx="0">
+              <a:schemeClr val="accent1"/>
+            </a:effectRef>
+            <a:fontRef idx="minor">
+              <a:schemeClr val="lt1"/>
+            </a:fontRef>
+          </p:style>
+          <p:txBody>
+            <a:bodyPr rtlCol="0" anchor="ctr"/>
+            <a:lstStyle/>
+            <a:p>
+              <a:pPr algn="ctr"/>
+              <a:endParaRPr lang="zh-TW" altLang="en-US"/>
+            </a:p>
+          </p:txBody>
+        </p:sp>
+        <p:sp>
+          <p:nvSpPr>
+            <p:cNvPr id="27" name="橢圓 26"/>
+            <p:cNvSpPr/>
+            <p:nvPr/>
+          </p:nvSpPr>
+          <p:spPr>
+            <a:xfrm>
+              <a:off x="2752112" y="3154001"/>
+              <a:ext cx="64008" cy="64008"/>
+            </a:xfrm>
+            <a:prstGeom prst="ellipse">
+              <a:avLst/>
+            </a:prstGeom>
+            <a:solidFill>
+              <a:schemeClr val="tx1"/>
+            </a:solidFill>
+            <a:ln>
+              <a:solidFill>
+                <a:schemeClr val="tx1"/>
+              </a:solidFill>
+            </a:ln>
+          </p:spPr>
+          <p:style>
+            <a:lnRef idx="2">
+              <a:schemeClr val="accent1">
+                <a:shade val="50000"/>
+              </a:schemeClr>
+            </a:lnRef>
+            <a:fillRef idx="1">
+              <a:schemeClr val="accent1"/>
+            </a:fillRef>
+            <a:effectRef idx="0">
+              <a:schemeClr val="accent1"/>
+            </a:effectRef>
+            <a:fontRef idx="minor">
+              <a:schemeClr val="lt1"/>
+            </a:fontRef>
+          </p:style>
+          <p:txBody>
+            <a:bodyPr rtlCol="0" anchor="ctr"/>
+            <a:lstStyle/>
+            <a:p>
+              <a:pPr algn="ctr"/>
+              <a:endParaRPr lang="zh-TW" altLang="en-US"/>
+            </a:p>
+          </p:txBody>
+        </p:sp>
+        <p:sp>
+          <p:nvSpPr>
+            <p:cNvPr id="28" name="橢圓 27"/>
+            <p:cNvSpPr/>
+            <p:nvPr/>
+          </p:nvSpPr>
+          <p:spPr>
+            <a:xfrm>
+              <a:off x="2752112" y="3279731"/>
+              <a:ext cx="64008" cy="64008"/>
+            </a:xfrm>
+            <a:prstGeom prst="ellipse">
+              <a:avLst/>
+            </a:prstGeom>
+            <a:solidFill>
+              <a:schemeClr val="tx1"/>
+            </a:solidFill>
+            <a:ln>
+              <a:solidFill>
+                <a:schemeClr val="tx1"/>
+              </a:solidFill>
+            </a:ln>
+          </p:spPr>
+          <p:style>
+            <a:lnRef idx="2">
+              <a:schemeClr val="accent1">
+                <a:shade val="50000"/>
+              </a:schemeClr>
+            </a:lnRef>
+            <a:fillRef idx="1">
+              <a:schemeClr val="accent1"/>
+            </a:fillRef>
+            <a:effectRef idx="0">
+              <a:schemeClr val="accent1"/>
+            </a:effectRef>
+            <a:fontRef idx="minor">
+              <a:schemeClr val="lt1"/>
+            </a:fontRef>
+          </p:style>
+          <p:txBody>
+            <a:bodyPr rtlCol="0" anchor="ctr"/>
+            <a:lstStyle/>
+            <a:p>
+              <a:pPr algn="ctr"/>
+              <a:endParaRPr lang="zh-TW" altLang="en-US"/>
+            </a:p>
+          </p:txBody>
+        </p:sp>
+      </p:grpSp>
+      <p:grpSp>
+        <p:nvGrpSpPr>
+          <p:cNvPr id="29" name="群組 28"/>
+          <p:cNvGrpSpPr/>
+          <p:nvPr/>
+        </p:nvGrpSpPr>
+        <p:grpSpPr>
+          <a:xfrm>
+            <a:off x="8094331" y="4593800"/>
+            <a:ext cx="64008" cy="328803"/>
+            <a:chOff x="2752112" y="3014936"/>
+            <a:chExt cx="64008" cy="328803"/>
+          </a:xfrm>
+        </p:grpSpPr>
+        <p:sp>
+          <p:nvSpPr>
+            <p:cNvPr id="30" name="橢圓 29"/>
+            <p:cNvSpPr/>
+            <p:nvPr/>
+          </p:nvSpPr>
+          <p:spPr>
+            <a:xfrm>
+              <a:off x="2752112" y="3014936"/>
+              <a:ext cx="64008" cy="64008"/>
+            </a:xfrm>
+            <a:prstGeom prst="ellipse">
+              <a:avLst/>
+            </a:prstGeom>
+            <a:solidFill>
+              <a:schemeClr val="tx1"/>
+            </a:solidFill>
+            <a:ln>
+              <a:solidFill>
+                <a:schemeClr val="tx1"/>
+              </a:solidFill>
+            </a:ln>
+          </p:spPr>
+          <p:style>
+            <a:lnRef idx="2">
+              <a:schemeClr val="accent1">
+                <a:shade val="50000"/>
+              </a:schemeClr>
+            </a:lnRef>
+            <a:fillRef idx="1">
+              <a:schemeClr val="accent1"/>
+            </a:fillRef>
+            <a:effectRef idx="0">
+              <a:schemeClr val="accent1"/>
+            </a:effectRef>
+            <a:fontRef idx="minor">
+              <a:schemeClr val="lt1"/>
+            </a:fontRef>
+          </p:style>
+          <p:txBody>
+            <a:bodyPr rtlCol="0" anchor="ctr"/>
+            <a:lstStyle/>
+            <a:p>
+              <a:pPr algn="ctr"/>
+              <a:endParaRPr lang="zh-TW" altLang="en-US"/>
+            </a:p>
+          </p:txBody>
+        </p:sp>
+        <p:sp>
+          <p:nvSpPr>
+            <p:cNvPr id="31" name="橢圓 30"/>
+            <p:cNvSpPr/>
+            <p:nvPr/>
+          </p:nvSpPr>
+          <p:spPr>
+            <a:xfrm>
+              <a:off x="2752112" y="3154001"/>
+              <a:ext cx="64008" cy="64008"/>
+            </a:xfrm>
+            <a:prstGeom prst="ellipse">
+              <a:avLst/>
+            </a:prstGeom>
+            <a:solidFill>
+              <a:schemeClr val="tx1"/>
+            </a:solidFill>
+            <a:ln>
+              <a:solidFill>
+                <a:schemeClr val="tx1"/>
+              </a:solidFill>
+            </a:ln>
+          </p:spPr>
+          <p:style>
+            <a:lnRef idx="2">
+              <a:schemeClr val="accent1">
+                <a:shade val="50000"/>
+              </a:schemeClr>
+            </a:lnRef>
+            <a:fillRef idx="1">
+              <a:schemeClr val="accent1"/>
+            </a:fillRef>
+            <a:effectRef idx="0">
+              <a:schemeClr val="accent1"/>
+            </a:effectRef>
+            <a:fontRef idx="minor">
+              <a:schemeClr val="lt1"/>
+            </a:fontRef>
+          </p:style>
+          <p:txBody>
+            <a:bodyPr rtlCol="0" anchor="ctr"/>
+            <a:lstStyle/>
+            <a:p>
+              <a:pPr algn="ctr"/>
+              <a:endParaRPr lang="zh-TW" altLang="en-US"/>
+            </a:p>
+          </p:txBody>
+        </p:sp>
+        <p:sp>
+          <p:nvSpPr>
+            <p:cNvPr id="32" name="橢圓 31"/>
+            <p:cNvSpPr/>
+            <p:nvPr/>
+          </p:nvSpPr>
+          <p:spPr>
+            <a:xfrm>
+              <a:off x="2752112" y="3279731"/>
+              <a:ext cx="64008" cy="64008"/>
+            </a:xfrm>
+            <a:prstGeom prst="ellipse">
+              <a:avLst/>
+            </a:prstGeom>
+            <a:solidFill>
+              <a:schemeClr val="tx1"/>
+            </a:solidFill>
+            <a:ln>
+              <a:solidFill>
+                <a:schemeClr val="tx1"/>
+              </a:solidFill>
+            </a:ln>
+          </p:spPr>
+          <p:style>
+            <a:lnRef idx="2">
+              <a:schemeClr val="accent1">
+                <a:shade val="50000"/>
+              </a:schemeClr>
+            </a:lnRef>
+            <a:fillRef idx="1">
+              <a:schemeClr val="accent1"/>
+            </a:fillRef>
+            <a:effectRef idx="0">
+              <a:schemeClr val="accent1"/>
+            </a:effectRef>
+            <a:fontRef idx="minor">
+              <a:schemeClr val="lt1"/>
+            </a:fontRef>
+          </p:style>
+          <p:txBody>
+            <a:bodyPr rtlCol="0" anchor="ctr"/>
+            <a:lstStyle/>
+            <a:p>
+              <a:pPr algn="ctr"/>
+              <a:endParaRPr lang="zh-TW" altLang="en-US"/>
+            </a:p>
+          </p:txBody>
+        </p:sp>
+      </p:grpSp>
+      <p:cxnSp>
+        <p:nvCxnSpPr>
+          <p:cNvPr id="34" name="直線單箭頭接點 33"/>
+          <p:cNvCxnSpPr/>
+          <p:nvPr/>
+        </p:nvCxnSpPr>
+        <p:spPr>
+          <a:xfrm>
+            <a:off x="2946691" y="2272314"/>
+            <a:ext cx="4804" cy="1101165"/>
+          </a:xfrm>
+          <a:prstGeom prst="straightConnector1">
+            <a:avLst/>
+          </a:prstGeom>
+          <a:ln w="38100">
+            <a:solidFill>
+              <a:srgbClr val="FF0000"/>
+            </a:solidFill>
+            <a:tailEnd type="triangle"/>
+          </a:ln>
+        </p:spPr>
+        <p:style>
+          <a:lnRef idx="1">
+            <a:schemeClr val="accent1"/>
+          </a:lnRef>
+          <a:fillRef idx="0">
+            <a:schemeClr val="accent1"/>
+          </a:fillRef>
+          <a:effectRef idx="0">
+            <a:schemeClr val="accent1"/>
+          </a:effectRef>
+          <a:fontRef idx="minor">
+            <a:schemeClr val="tx1"/>
+          </a:fontRef>
+        </p:style>
+      </p:cxnSp>
+      <p:cxnSp>
+        <p:nvCxnSpPr>
+          <p:cNvPr id="41" name="直線單箭頭接點 40"/>
+          <p:cNvCxnSpPr/>
+          <p:nvPr/>
+        </p:nvCxnSpPr>
+        <p:spPr>
+          <a:xfrm flipV="1">
+            <a:off x="3292742" y="2194561"/>
+            <a:ext cx="2157082" cy="1270952"/>
+          </a:xfrm>
+          <a:prstGeom prst="straightConnector1">
+            <a:avLst/>
+          </a:prstGeom>
+          <a:ln w="38100">
+            <a:solidFill>
+              <a:srgbClr val="FF0000"/>
+            </a:solidFill>
+            <a:tailEnd type="triangle"/>
+          </a:ln>
+        </p:spPr>
+        <p:style>
+          <a:lnRef idx="1">
+            <a:schemeClr val="accent1"/>
+          </a:lnRef>
+          <a:fillRef idx="0">
+            <a:schemeClr val="accent1"/>
+          </a:fillRef>
+          <a:effectRef idx="0">
+            <a:schemeClr val="accent1"/>
+          </a:effectRef>
+          <a:fontRef idx="minor">
+            <a:schemeClr val="tx1"/>
+          </a:fontRef>
+        </p:style>
+      </p:cxnSp>
+      <p:cxnSp>
+        <p:nvCxnSpPr>
+          <p:cNvPr id="44" name="直線單箭頭接點 43"/>
+          <p:cNvCxnSpPr/>
+          <p:nvPr/>
+        </p:nvCxnSpPr>
+        <p:spPr>
+          <a:xfrm>
+            <a:off x="5534232" y="2281405"/>
+            <a:ext cx="4804" cy="1101165"/>
+          </a:xfrm>
+          <a:prstGeom prst="straightConnector1">
+            <a:avLst/>
+          </a:prstGeom>
+          <a:ln w="38100">
+            <a:solidFill>
+              <a:srgbClr val="FF0000"/>
+            </a:solidFill>
+            <a:tailEnd type="triangle"/>
+          </a:ln>
+        </p:spPr>
+        <p:style>
+          <a:lnRef idx="1">
+            <a:schemeClr val="accent1"/>
+          </a:lnRef>
+          <a:fillRef idx="0">
+            <a:schemeClr val="accent1"/>
+          </a:fillRef>
+          <a:effectRef idx="0">
+            <a:schemeClr val="accent1"/>
+          </a:effectRef>
+          <a:fontRef idx="minor">
+            <a:schemeClr val="tx1"/>
+          </a:fontRef>
+        </p:style>
+      </p:cxnSp>
+      <p:cxnSp>
+        <p:nvCxnSpPr>
+          <p:cNvPr id="45" name="直線單箭頭接點 44"/>
+          <p:cNvCxnSpPr/>
+          <p:nvPr/>
+        </p:nvCxnSpPr>
+        <p:spPr>
+          <a:xfrm flipH="1">
+            <a:off x="3229025" y="3539329"/>
+            <a:ext cx="2220799" cy="226914"/>
+          </a:xfrm>
+          <a:prstGeom prst="straightConnector1">
+            <a:avLst/>
+          </a:prstGeom>
+          <a:ln w="38100">
+            <a:solidFill>
+              <a:srgbClr val="FF0000"/>
+            </a:solidFill>
+            <a:tailEnd type="triangle"/>
+          </a:ln>
+        </p:spPr>
+        <p:style>
+          <a:lnRef idx="1">
+            <a:schemeClr val="accent1"/>
+          </a:lnRef>
+          <a:fillRef idx="0">
+            <a:schemeClr val="accent1"/>
+          </a:fillRef>
+          <a:effectRef idx="0">
+            <a:schemeClr val="accent1"/>
+          </a:effectRef>
+          <a:fontRef idx="minor">
+            <a:schemeClr val="tx1"/>
+          </a:fontRef>
+        </p:style>
+      </p:cxnSp>
+      <p:cxnSp>
+        <p:nvCxnSpPr>
+          <p:cNvPr id="49" name="直線單箭頭接點 48"/>
+          <p:cNvCxnSpPr/>
+          <p:nvPr/>
+        </p:nvCxnSpPr>
+        <p:spPr>
+          <a:xfrm flipH="1">
+            <a:off x="2946691" y="3845458"/>
+            <a:ext cx="538" cy="676565"/>
+          </a:xfrm>
+          <a:prstGeom prst="straightConnector1">
+            <a:avLst/>
+          </a:prstGeom>
+          <a:ln w="38100">
+            <a:solidFill>
+              <a:srgbClr val="FF0000"/>
+            </a:solidFill>
+            <a:tailEnd type="triangle"/>
+          </a:ln>
+        </p:spPr>
+        <p:style>
+          <a:lnRef idx="1">
+            <a:schemeClr val="accent1"/>
+          </a:lnRef>
+          <a:fillRef idx="0">
+            <a:schemeClr val="accent1"/>
+          </a:fillRef>
+          <a:effectRef idx="0">
+            <a:schemeClr val="accent1"/>
+          </a:effectRef>
+          <a:fontRef idx="minor">
+            <a:schemeClr val="tx1"/>
+          </a:fontRef>
+        </p:style>
+      </p:cxnSp>
+      <p:cxnSp>
+        <p:nvCxnSpPr>
+          <p:cNvPr id="51" name="直線單箭頭接點 50"/>
+          <p:cNvCxnSpPr/>
+          <p:nvPr/>
+        </p:nvCxnSpPr>
+        <p:spPr>
+          <a:xfrm flipV="1">
+            <a:off x="3355001" y="2348037"/>
+            <a:ext cx="2417672" cy="2210562"/>
+          </a:xfrm>
+          <a:prstGeom prst="straightConnector1">
+            <a:avLst/>
+          </a:prstGeom>
+          <a:ln w="38100">
+            <a:solidFill>
+              <a:srgbClr val="0070C0"/>
+            </a:solidFill>
+            <a:tailEnd type="triangle"/>
+          </a:ln>
+        </p:spPr>
+        <p:style>
+          <a:lnRef idx="1">
+            <a:schemeClr val="accent1"/>
+          </a:lnRef>
+          <a:fillRef idx="0">
+            <a:schemeClr val="accent1"/>
+          </a:fillRef>
+          <a:effectRef idx="0">
+            <a:schemeClr val="accent1"/>
+          </a:effectRef>
+          <a:fontRef idx="minor">
+            <a:schemeClr val="tx1"/>
+          </a:fontRef>
+        </p:style>
+      </p:cxnSp>
+      <p:cxnSp>
+        <p:nvCxnSpPr>
+          <p:cNvPr id="53" name="直線單箭頭接點 52"/>
+          <p:cNvCxnSpPr/>
+          <p:nvPr/>
+        </p:nvCxnSpPr>
+        <p:spPr>
+          <a:xfrm>
+            <a:off x="5979914" y="2291086"/>
+            <a:ext cx="4804" cy="1101165"/>
+          </a:xfrm>
+          <a:prstGeom prst="straightConnector1">
+            <a:avLst/>
+          </a:prstGeom>
+          <a:ln w="38100">
+            <a:solidFill>
+              <a:srgbClr val="0070C0"/>
+            </a:solidFill>
+            <a:tailEnd type="triangle"/>
+          </a:ln>
+        </p:spPr>
+        <p:style>
+          <a:lnRef idx="1">
+            <a:schemeClr val="accent1"/>
+          </a:lnRef>
+          <a:fillRef idx="0">
+            <a:schemeClr val="accent1"/>
+          </a:fillRef>
+          <a:effectRef idx="0">
+            <a:schemeClr val="accent1"/>
+          </a:effectRef>
+          <a:fontRef idx="minor">
+            <a:schemeClr val="tx1"/>
+          </a:fontRef>
+        </p:style>
+      </p:cxnSp>
+      <p:cxnSp>
+        <p:nvCxnSpPr>
+          <p:cNvPr id="55" name="直線單箭頭接點 54"/>
+          <p:cNvCxnSpPr/>
+          <p:nvPr/>
+        </p:nvCxnSpPr>
+        <p:spPr>
+          <a:xfrm flipH="1">
+            <a:off x="3229025" y="3652787"/>
+            <a:ext cx="2193988" cy="1192893"/>
+          </a:xfrm>
+          <a:prstGeom prst="straightConnector1">
+            <a:avLst/>
+          </a:prstGeom>
+          <a:ln w="38100">
+            <a:solidFill>
+              <a:srgbClr val="0070C0"/>
+            </a:solidFill>
+            <a:tailEnd type="triangle"/>
+          </a:ln>
+        </p:spPr>
+        <p:style>
+          <a:lnRef idx="1">
+            <a:schemeClr val="accent1"/>
+          </a:lnRef>
+          <a:fillRef idx="0">
+            <a:schemeClr val="accent1"/>
+          </a:fillRef>
+          <a:effectRef idx="0">
+            <a:schemeClr val="accent1"/>
+          </a:effectRef>
+          <a:fontRef idx="minor">
+            <a:schemeClr val="tx1"/>
+          </a:fontRef>
+        </p:style>
+      </p:cxnSp>
+      <p:cxnSp>
+        <p:nvCxnSpPr>
+          <p:cNvPr id="58" name="直線單箭頭接點 57"/>
+          <p:cNvCxnSpPr/>
+          <p:nvPr/>
+        </p:nvCxnSpPr>
+        <p:spPr>
+          <a:xfrm>
+            <a:off x="2946691" y="4985524"/>
+            <a:ext cx="1" cy="659162"/>
+          </a:xfrm>
+          <a:prstGeom prst="straightConnector1">
+            <a:avLst/>
+          </a:prstGeom>
+          <a:ln w="38100">
+            <a:solidFill>
+              <a:srgbClr val="FF0000"/>
+            </a:solidFill>
+            <a:tailEnd type="triangle"/>
+          </a:ln>
+        </p:spPr>
+        <p:style>
+          <a:lnRef idx="1">
+            <a:schemeClr val="accent1"/>
+          </a:lnRef>
+          <a:fillRef idx="0">
+            <a:schemeClr val="accent1"/>
+          </a:fillRef>
+          <a:effectRef idx="0">
+            <a:schemeClr val="accent1"/>
+          </a:effectRef>
+          <a:fontRef idx="minor">
+            <a:schemeClr val="tx1"/>
+          </a:fontRef>
+        </p:style>
+      </p:cxnSp>
+      <p:cxnSp>
+        <p:nvCxnSpPr>
+          <p:cNvPr id="59" name="直線單箭頭接點 58"/>
+          <p:cNvCxnSpPr/>
+          <p:nvPr/>
+        </p:nvCxnSpPr>
+        <p:spPr>
+          <a:xfrm flipV="1">
+            <a:off x="3355001" y="4796873"/>
+            <a:ext cx="2051944" cy="908857"/>
+          </a:xfrm>
+          <a:prstGeom prst="straightConnector1">
+            <a:avLst/>
+          </a:prstGeom>
+          <a:ln w="38100">
+            <a:solidFill>
+              <a:srgbClr val="FF0000"/>
+            </a:solidFill>
+            <a:tailEnd type="triangle"/>
+          </a:ln>
+        </p:spPr>
+        <p:style>
+          <a:lnRef idx="1">
+            <a:schemeClr val="accent1"/>
+          </a:lnRef>
+          <a:fillRef idx="0">
+            <a:schemeClr val="accent1"/>
+          </a:fillRef>
+          <a:effectRef idx="0">
+            <a:schemeClr val="accent1"/>
+          </a:effectRef>
+          <a:fontRef idx="minor">
+            <a:schemeClr val="tx1"/>
+          </a:fontRef>
+        </p:style>
+      </p:cxnSp>
+      <p:cxnSp>
+        <p:nvCxnSpPr>
+          <p:cNvPr id="63" name="直線單箭頭接點 62"/>
+          <p:cNvCxnSpPr/>
+          <p:nvPr/>
+        </p:nvCxnSpPr>
+        <p:spPr>
+          <a:xfrm flipH="1">
+            <a:off x="5449824" y="4873117"/>
+            <a:ext cx="538" cy="477348"/>
+          </a:xfrm>
+          <a:prstGeom prst="straightConnector1">
+            <a:avLst/>
+          </a:prstGeom>
+          <a:ln w="38100">
+            <a:solidFill>
+              <a:srgbClr val="FF0000"/>
+            </a:solidFill>
+            <a:tailEnd type="triangle"/>
+          </a:ln>
+        </p:spPr>
+        <p:style>
+          <a:lnRef idx="1">
+            <a:schemeClr val="accent1"/>
+          </a:lnRef>
+          <a:fillRef idx="0">
+            <a:schemeClr val="accent1"/>
+          </a:fillRef>
+          <a:effectRef idx="0">
+            <a:schemeClr val="accent1"/>
+          </a:effectRef>
+          <a:fontRef idx="minor">
+            <a:schemeClr val="tx1"/>
+          </a:fontRef>
+        </p:style>
+      </p:cxnSp>
+      <p:cxnSp>
+        <p:nvCxnSpPr>
+          <p:cNvPr id="65" name="直線單箭頭接點 64"/>
+          <p:cNvCxnSpPr/>
+          <p:nvPr/>
+        </p:nvCxnSpPr>
+        <p:spPr>
+          <a:xfrm flipV="1">
+            <a:off x="6269736" y="3959353"/>
+            <a:ext cx="1407542" cy="1423116"/>
+          </a:xfrm>
+          <a:prstGeom prst="straightConnector1">
+            <a:avLst/>
+          </a:prstGeom>
+          <a:ln w="38100">
+            <a:solidFill>
+              <a:srgbClr val="FF0000"/>
+            </a:solidFill>
+            <a:tailEnd type="triangle"/>
+          </a:ln>
+        </p:spPr>
+        <p:style>
+          <a:lnRef idx="1">
+            <a:schemeClr val="accent1"/>
+          </a:lnRef>
+          <a:fillRef idx="0">
+            <a:schemeClr val="accent1"/>
+          </a:fillRef>
+          <a:effectRef idx="0">
+            <a:schemeClr val="accent1"/>
+          </a:effectRef>
+          <a:fontRef idx="minor">
+            <a:schemeClr val="tx1"/>
+          </a:fontRef>
+        </p:style>
+      </p:cxnSp>
+      <p:cxnSp>
+        <p:nvCxnSpPr>
+          <p:cNvPr id="68" name="直線單箭頭接點 67"/>
+          <p:cNvCxnSpPr/>
+          <p:nvPr/>
+        </p:nvCxnSpPr>
+        <p:spPr>
+          <a:xfrm flipH="1">
+            <a:off x="7917540" y="3949239"/>
+            <a:ext cx="4224" cy="1036285"/>
+          </a:xfrm>
+          <a:prstGeom prst="straightConnector1">
+            <a:avLst/>
+          </a:prstGeom>
+          <a:ln w="38100">
+            <a:solidFill>
+              <a:srgbClr val="FF0000"/>
+            </a:solidFill>
+            <a:tailEnd type="triangle"/>
+          </a:ln>
+        </p:spPr>
+        <p:style>
+          <a:lnRef idx="1">
+            <a:schemeClr val="accent1"/>
+          </a:lnRef>
+          <a:fillRef idx="0">
+            <a:schemeClr val="accent1"/>
+          </a:fillRef>
+          <a:effectRef idx="0">
+            <a:schemeClr val="accent1"/>
+          </a:effectRef>
+          <a:fontRef idx="minor">
+            <a:schemeClr val="tx1"/>
+          </a:fontRef>
+        </p:style>
+      </p:cxnSp>
+      <p:cxnSp>
+        <p:nvCxnSpPr>
+          <p:cNvPr id="70" name="直線單箭頭接點 69"/>
+          <p:cNvCxnSpPr/>
+          <p:nvPr/>
+        </p:nvCxnSpPr>
+        <p:spPr>
+          <a:xfrm flipH="1">
+            <a:off x="6096000" y="5111791"/>
+            <a:ext cx="1734989" cy="532895"/>
+          </a:xfrm>
+          <a:prstGeom prst="straightConnector1">
+            <a:avLst/>
+          </a:prstGeom>
+          <a:ln w="38100">
+            <a:solidFill>
+              <a:srgbClr val="FF0000"/>
+            </a:solidFill>
+            <a:tailEnd type="triangle"/>
+          </a:ln>
+        </p:spPr>
+        <p:style>
+          <a:lnRef idx="1">
+            <a:schemeClr val="accent1"/>
+          </a:lnRef>
+          <a:fillRef idx="0">
+            <a:schemeClr val="accent1"/>
+          </a:fillRef>
+          <a:effectRef idx="0">
+            <a:schemeClr val="accent1"/>
+          </a:effectRef>
+          <a:fontRef idx="minor">
+            <a:schemeClr val="tx1"/>
+          </a:fontRef>
+        </p:style>
+      </p:cxnSp>
+      <p:cxnSp>
+        <p:nvCxnSpPr>
+          <p:cNvPr id="73" name="直線單箭頭接點 72"/>
+          <p:cNvCxnSpPr/>
+          <p:nvPr/>
+        </p:nvCxnSpPr>
+        <p:spPr>
+          <a:xfrm flipH="1">
+            <a:off x="5534232" y="5705730"/>
+            <a:ext cx="538" cy="402291"/>
+          </a:xfrm>
+          <a:prstGeom prst="straightConnector1">
+            <a:avLst/>
+          </a:prstGeom>
+          <a:ln w="38100">
+            <a:solidFill>
+              <a:srgbClr val="FF0000"/>
+            </a:solidFill>
+            <a:tailEnd type="triangle"/>
+          </a:ln>
+        </p:spPr>
+        <p:style>
+          <a:lnRef idx="1">
+            <a:schemeClr val="accent1"/>
+          </a:lnRef>
+          <a:fillRef idx="0">
+            <a:schemeClr val="accent1"/>
+          </a:fillRef>
+          <a:effectRef idx="0">
+            <a:schemeClr val="accent1"/>
+          </a:effectRef>
+          <a:fontRef idx="minor">
+            <a:schemeClr val="tx1"/>
+          </a:fontRef>
+        </p:style>
+      </p:cxnSp>
+      <p:cxnSp>
+        <p:nvCxnSpPr>
+          <p:cNvPr id="75" name="直線單箭頭接點 74"/>
+          <p:cNvCxnSpPr/>
+          <p:nvPr/>
+        </p:nvCxnSpPr>
+        <p:spPr>
+          <a:xfrm flipH="1" flipV="1">
+            <a:off x="3229025" y="5865126"/>
+            <a:ext cx="2270574" cy="389371"/>
+          </a:xfrm>
+          <a:prstGeom prst="straightConnector1">
+            <a:avLst/>
+          </a:prstGeom>
+          <a:ln w="38100">
+            <a:solidFill>
+              <a:srgbClr val="FF0000"/>
+            </a:solidFill>
+            <a:tailEnd type="triangle"/>
+          </a:ln>
+        </p:spPr>
+        <p:style>
+          <a:lnRef idx="1">
+            <a:schemeClr val="accent1"/>
+          </a:lnRef>
+          <a:fillRef idx="0">
+            <a:schemeClr val="accent1"/>
+          </a:fillRef>
+          <a:effectRef idx="0">
+            <a:schemeClr val="accent1"/>
+          </a:effectRef>
+          <a:fontRef idx="minor">
+            <a:schemeClr val="tx1"/>
+          </a:fontRef>
+        </p:style>
+      </p:cxnSp>
+      <p:cxnSp>
+        <p:nvCxnSpPr>
+          <p:cNvPr id="78" name="直線單箭頭接點 77"/>
+          <p:cNvCxnSpPr/>
+          <p:nvPr/>
+        </p:nvCxnSpPr>
+        <p:spPr>
+          <a:xfrm flipH="1">
+            <a:off x="2951031" y="6059811"/>
+            <a:ext cx="538" cy="438092"/>
+          </a:xfrm>
+          <a:prstGeom prst="straightConnector1">
+            <a:avLst/>
+          </a:prstGeom>
+          <a:ln w="38100">
+            <a:solidFill>
+              <a:srgbClr val="FF0000"/>
+            </a:solidFill>
+            <a:tailEnd type="triangle"/>
+          </a:ln>
+        </p:spPr>
+        <p:style>
+          <a:lnRef idx="1">
+            <a:schemeClr val="accent1"/>
+          </a:lnRef>
+          <a:fillRef idx="0">
+            <a:schemeClr val="accent1"/>
+          </a:fillRef>
+          <a:effectRef idx="0">
+            <a:schemeClr val="accent1"/>
+          </a:effectRef>
+          <a:fontRef idx="minor">
+            <a:schemeClr val="tx1"/>
+          </a:fontRef>
+        </p:style>
+      </p:cxnSp>
+    </p:spTree>
+    <p:extLst>
+      <p:ext uri="{BB962C8B-B14F-4D97-AF65-F5344CB8AC3E}">
+        <p14:creationId xmlns:p14="http://schemas.microsoft.com/office/powerpoint/2010/main" val="1710588136"/>
+      </p:ext>
+    </p:extLst>
+  </p:cSld>
+  <p:clrMapOvr>
+    <a:masterClrMapping/>
+  </p:clrMapOvr>
+  <p:timing>
+    <p:tnLst>
+      <p:par>
+        <p:cTn id="1" dur="indefinite" restart="never" nodeType="tmRoot">
+          <p:childTnLst>
+            <p:seq concurrent="1" nextAc="seek">
+              <p:cTn id="2" dur="indefinite" nodeType="mainSeq">
+                <p:childTnLst>
+                  <p:par>
+                    <p:cTn id="3" fill="hold">
+                      <p:stCondLst>
+                        <p:cond delay="indefinite"/>
+                      </p:stCondLst>
+                      <p:childTnLst>
+                        <p:par>
+                          <p:cTn id="4" fill="hold">
+                            <p:stCondLst>
+                              <p:cond delay="0"/>
+                            </p:stCondLst>
+                            <p:childTnLst>
+                              <p:par>
+                                <p:cTn id="5" presetID="1" presetClass="entr" presetSubtype="0" fill="hold" nodeType="clickEffect">
+                                  <p:stCondLst>
+                                    <p:cond delay="0"/>
+                                  </p:stCondLst>
+                                  <p:childTnLst>
+                                    <p:set>
+                                      <p:cBhvr>
+                                        <p:cTn id="6" dur="1" fill="hold">
+                                          <p:stCondLst>
+                                            <p:cond delay="0"/>
+                                          </p:stCondLst>
+                                        </p:cTn>
+                                        <p:tgtEl>
+                                          <p:spTgt spid="34"/>
+                                        </p:tgtEl>
+                                        <p:attrNameLst>
+                                          <p:attrName>style.visibility</p:attrName>
+                                        </p:attrNameLst>
+                                      </p:cBhvr>
+                                      <p:to>
+                                        <p:strVal val="visible"/>
+                                      </p:to>
+                                    </p:set>
+                                  </p:childTnLst>
+                                </p:cTn>
+                              </p:par>
+                            </p:childTnLst>
+                          </p:cTn>
+                        </p:par>
+                      </p:childTnLst>
+                    </p:cTn>
+                  </p:par>
+                  <p:par>
+                    <p:cTn id="7" fill="hold">
+                      <p:stCondLst>
+                        <p:cond delay="indefinite"/>
+                      </p:stCondLst>
+                      <p:childTnLst>
+                        <p:par>
+                          <p:cTn id="8" fill="hold">
+                            <p:stCondLst>
+                              <p:cond delay="0"/>
+                            </p:stCondLst>
+                            <p:childTnLst>
+                              <p:par>
+                                <p:cTn id="9" presetID="1" presetClass="entr" presetSubtype="0" fill="hold" nodeType="clickEffect">
+                                  <p:stCondLst>
+                                    <p:cond delay="0"/>
+                                  </p:stCondLst>
+                                  <p:childTnLst>
+                                    <p:set>
+                                      <p:cBhvr>
+                                        <p:cTn id="10" dur="1" fill="hold">
+                                          <p:stCondLst>
+                                            <p:cond delay="0"/>
+                                          </p:stCondLst>
+                                        </p:cTn>
+                                        <p:tgtEl>
+                                          <p:spTgt spid="41"/>
+                                        </p:tgtEl>
+                                        <p:attrNameLst>
+                                          <p:attrName>style.visibility</p:attrName>
+                                        </p:attrNameLst>
+                                      </p:cBhvr>
+                                      <p:to>
+                                        <p:strVal val="visible"/>
+                                      </p:to>
+                                    </p:set>
+                                  </p:childTnLst>
+                                </p:cTn>
+                              </p:par>
+                            </p:childTnLst>
+                          </p:cTn>
+                        </p:par>
+                      </p:childTnLst>
+                    </p:cTn>
+                  </p:par>
+                  <p:par>
+                    <p:cTn id="11" fill="hold">
+                      <p:stCondLst>
+                        <p:cond delay="indefinite"/>
+                      </p:stCondLst>
+                      <p:childTnLst>
+                        <p:par>
+                          <p:cTn id="12" fill="hold">
+                            <p:stCondLst>
+                              <p:cond delay="0"/>
+                            </p:stCondLst>
+                            <p:childTnLst>
+                              <p:par>
+                                <p:cTn id="13" presetID="1" presetClass="entr" presetSubtype="0" fill="hold" nodeType="clickEffect">
+                                  <p:stCondLst>
+                                    <p:cond delay="0"/>
+                                  </p:stCondLst>
+                                  <p:childTnLst>
+                                    <p:set>
+                                      <p:cBhvr>
+                                        <p:cTn id="14" dur="1" fill="hold">
+                                          <p:stCondLst>
+                                            <p:cond delay="0"/>
+                                          </p:stCondLst>
+                                        </p:cTn>
+                                        <p:tgtEl>
+                                          <p:spTgt spid="44"/>
+                                        </p:tgtEl>
+                                        <p:attrNameLst>
+                                          <p:attrName>style.visibility</p:attrName>
+                                        </p:attrNameLst>
+                                      </p:cBhvr>
+                                      <p:to>
+                                        <p:strVal val="visible"/>
+                                      </p:to>
+                                    </p:set>
+                                  </p:childTnLst>
+                                </p:cTn>
+                              </p:par>
+                            </p:childTnLst>
+                          </p:cTn>
+                        </p:par>
+                      </p:childTnLst>
+                    </p:cTn>
+                  </p:par>
+                  <p:par>
+                    <p:cTn id="15" fill="hold">
+                      <p:stCondLst>
+                        <p:cond delay="indefinite"/>
+                      </p:stCondLst>
+                      <p:childTnLst>
+                        <p:par>
+                          <p:cTn id="16" fill="hold">
+                            <p:stCondLst>
+                              <p:cond delay="0"/>
+                            </p:stCondLst>
+                            <p:childTnLst>
+                              <p:par>
+                                <p:cTn id="17" presetID="1" presetClass="entr" presetSubtype="0" fill="hold" nodeType="clickEffect">
+                                  <p:stCondLst>
+                                    <p:cond delay="0"/>
+                                  </p:stCondLst>
+                                  <p:childTnLst>
+                                    <p:set>
+                                      <p:cBhvr>
+                                        <p:cTn id="18" dur="1" fill="hold">
+                                          <p:stCondLst>
+                                            <p:cond delay="0"/>
+                                          </p:stCondLst>
+                                        </p:cTn>
+                                        <p:tgtEl>
+                                          <p:spTgt spid="45"/>
+                                        </p:tgtEl>
+                                        <p:attrNameLst>
+                                          <p:attrName>style.visibility</p:attrName>
+                                        </p:attrNameLst>
+                                      </p:cBhvr>
+                                      <p:to>
+                                        <p:strVal val="visible"/>
+                                      </p:to>
+                                    </p:set>
+                                  </p:childTnLst>
+                                </p:cTn>
+                              </p:par>
+                            </p:childTnLst>
+                          </p:cTn>
+                        </p:par>
+                      </p:childTnLst>
+                    </p:cTn>
+                  </p:par>
+                  <p:par>
+                    <p:cTn id="19" fill="hold">
+                      <p:stCondLst>
+                        <p:cond delay="indefinite"/>
+                      </p:stCondLst>
+                      <p:childTnLst>
+                        <p:par>
+                          <p:cTn id="20" fill="hold">
+                            <p:stCondLst>
+                              <p:cond delay="0"/>
+                            </p:stCondLst>
+                            <p:childTnLst>
+                              <p:par>
+                                <p:cTn id="21" presetID="1" presetClass="entr" presetSubtype="0" fill="hold" nodeType="clickEffect">
+                                  <p:stCondLst>
+                                    <p:cond delay="0"/>
+                                  </p:stCondLst>
+                                  <p:childTnLst>
+                                    <p:set>
+                                      <p:cBhvr>
+                                        <p:cTn id="22" dur="1" fill="hold">
+                                          <p:stCondLst>
+                                            <p:cond delay="0"/>
+                                          </p:stCondLst>
+                                        </p:cTn>
+                                        <p:tgtEl>
+                                          <p:spTgt spid="49"/>
+                                        </p:tgtEl>
+                                        <p:attrNameLst>
+                                          <p:attrName>style.visibility</p:attrName>
+                                        </p:attrNameLst>
+                                      </p:cBhvr>
+                                      <p:to>
+                                        <p:strVal val="visible"/>
+                                      </p:to>
+                                    </p:set>
+                                  </p:childTnLst>
+                                </p:cTn>
+                              </p:par>
+                            </p:childTnLst>
+                          </p:cTn>
+                        </p:par>
+                      </p:childTnLst>
+                    </p:cTn>
+                  </p:par>
+                  <p:par>
+                    <p:cTn id="23" fill="hold">
+                      <p:stCondLst>
+                        <p:cond delay="indefinite"/>
+                      </p:stCondLst>
+                      <p:childTnLst>
+                        <p:par>
+                          <p:cTn id="24" fill="hold">
+                            <p:stCondLst>
+                              <p:cond delay="0"/>
+                            </p:stCondLst>
+                            <p:childTnLst>
+                              <p:par>
+                                <p:cTn id="25" presetID="1" presetClass="entr" presetSubtype="0" fill="hold" nodeType="clickEffect">
+                                  <p:stCondLst>
+                                    <p:cond delay="0"/>
+                                  </p:stCondLst>
+                                  <p:childTnLst>
+                                    <p:set>
+                                      <p:cBhvr>
+                                        <p:cTn id="26" dur="1" fill="hold">
+                                          <p:stCondLst>
+                                            <p:cond delay="0"/>
+                                          </p:stCondLst>
+                                        </p:cTn>
+                                        <p:tgtEl>
+                                          <p:spTgt spid="51"/>
+                                        </p:tgtEl>
+                                        <p:attrNameLst>
+                                          <p:attrName>style.visibility</p:attrName>
+                                        </p:attrNameLst>
+                                      </p:cBhvr>
+                                      <p:to>
+                                        <p:strVal val="visible"/>
+                                      </p:to>
+                                    </p:set>
+                                  </p:childTnLst>
+                                </p:cTn>
+                              </p:par>
+                            </p:childTnLst>
+                          </p:cTn>
+                        </p:par>
+                      </p:childTnLst>
+                    </p:cTn>
+                  </p:par>
+                  <p:par>
+                    <p:cTn id="27" fill="hold">
+                      <p:stCondLst>
+                        <p:cond delay="indefinite"/>
+                      </p:stCondLst>
+                      <p:childTnLst>
+                        <p:par>
+                          <p:cTn id="28" fill="hold">
+                            <p:stCondLst>
+                              <p:cond delay="0"/>
+                            </p:stCondLst>
+                            <p:childTnLst>
+                              <p:par>
+                                <p:cTn id="29" presetID="1" presetClass="entr" presetSubtype="0" fill="hold" nodeType="clickEffect">
+                                  <p:stCondLst>
+                                    <p:cond delay="0"/>
+                                  </p:stCondLst>
+                                  <p:childTnLst>
+                                    <p:set>
+                                      <p:cBhvr>
+                                        <p:cTn id="30" dur="1" fill="hold">
+                                          <p:stCondLst>
+                                            <p:cond delay="0"/>
+                                          </p:stCondLst>
+                                        </p:cTn>
+                                        <p:tgtEl>
+                                          <p:spTgt spid="53"/>
+                                        </p:tgtEl>
+                                        <p:attrNameLst>
+                                          <p:attrName>style.visibility</p:attrName>
+                                        </p:attrNameLst>
+                                      </p:cBhvr>
+                                      <p:to>
+                                        <p:strVal val="visible"/>
+                                      </p:to>
+                                    </p:set>
+                                  </p:childTnLst>
+                                </p:cTn>
+                              </p:par>
+                            </p:childTnLst>
+                          </p:cTn>
+                        </p:par>
+                      </p:childTnLst>
+                    </p:cTn>
+                  </p:par>
+                  <p:par>
+                    <p:cTn id="31" fill="hold">
+                      <p:stCondLst>
+                        <p:cond delay="indefinite"/>
+                      </p:stCondLst>
+                      <p:childTnLst>
+                        <p:par>
+                          <p:cTn id="32" fill="hold">
+                            <p:stCondLst>
+                              <p:cond delay="0"/>
+                            </p:stCondLst>
+                            <p:childTnLst>
+                              <p:par>
+                                <p:cTn id="33" presetID="1" presetClass="entr" presetSubtype="0" fill="hold" nodeType="clickEffect">
+                                  <p:stCondLst>
+                                    <p:cond delay="0"/>
+                                  </p:stCondLst>
+                                  <p:childTnLst>
+                                    <p:set>
+                                      <p:cBhvr>
+                                        <p:cTn id="34" dur="1" fill="hold">
+                                          <p:stCondLst>
+                                            <p:cond delay="0"/>
+                                          </p:stCondLst>
+                                        </p:cTn>
+                                        <p:tgtEl>
+                                          <p:spTgt spid="55"/>
+                                        </p:tgtEl>
+                                        <p:attrNameLst>
+                                          <p:attrName>style.visibility</p:attrName>
+                                        </p:attrNameLst>
+                                      </p:cBhvr>
+                                      <p:to>
+                                        <p:strVal val="visible"/>
+                                      </p:to>
+                                    </p:set>
+                                  </p:childTnLst>
+                                </p:cTn>
+                              </p:par>
+                            </p:childTnLst>
+                          </p:cTn>
+                        </p:par>
+                      </p:childTnLst>
+                    </p:cTn>
+                  </p:par>
+                  <p:par>
+                    <p:cTn id="35" fill="hold">
+                      <p:stCondLst>
+                        <p:cond delay="indefinite"/>
+                      </p:stCondLst>
+                      <p:childTnLst>
+                        <p:par>
+                          <p:cTn id="36" fill="hold">
+                            <p:stCondLst>
+                              <p:cond delay="0"/>
+                            </p:stCondLst>
+                            <p:childTnLst>
+                              <p:par>
+                                <p:cTn id="37" presetID="1" presetClass="entr" presetSubtype="0" fill="hold" nodeType="clickEffect">
+                                  <p:stCondLst>
+                                    <p:cond delay="0"/>
+                                  </p:stCondLst>
+                                  <p:childTnLst>
+                                    <p:set>
+                                      <p:cBhvr>
+                                        <p:cTn id="38" dur="1" fill="hold">
+                                          <p:stCondLst>
+                                            <p:cond delay="0"/>
+                                          </p:stCondLst>
+                                        </p:cTn>
+                                        <p:tgtEl>
+                                          <p:spTgt spid="58"/>
+                                        </p:tgtEl>
+                                        <p:attrNameLst>
+                                          <p:attrName>style.visibility</p:attrName>
+                                        </p:attrNameLst>
+                                      </p:cBhvr>
+                                      <p:to>
+                                        <p:strVal val="visible"/>
+                                      </p:to>
+                                    </p:set>
+                                  </p:childTnLst>
+                                </p:cTn>
+                              </p:par>
+                            </p:childTnLst>
+                          </p:cTn>
+                        </p:par>
+                      </p:childTnLst>
+                    </p:cTn>
+                  </p:par>
+                  <p:par>
+                    <p:cTn id="39" fill="hold">
+                      <p:stCondLst>
+                        <p:cond delay="indefinite"/>
+                      </p:stCondLst>
+                      <p:childTnLst>
+                        <p:par>
+                          <p:cTn id="40" fill="hold">
+                            <p:stCondLst>
+                              <p:cond delay="0"/>
+                            </p:stCondLst>
+                            <p:childTnLst>
+                              <p:par>
+                                <p:cTn id="41" presetID="1" presetClass="entr" presetSubtype="0" fill="hold" nodeType="clickEffect">
+                                  <p:stCondLst>
+                                    <p:cond delay="0"/>
+                                  </p:stCondLst>
+                                  <p:childTnLst>
+                                    <p:set>
+                                      <p:cBhvr>
+                                        <p:cTn id="42" dur="1" fill="hold">
+                                          <p:stCondLst>
+                                            <p:cond delay="0"/>
+                                          </p:stCondLst>
+                                        </p:cTn>
+                                        <p:tgtEl>
+                                          <p:spTgt spid="59"/>
+                                        </p:tgtEl>
+                                        <p:attrNameLst>
+                                          <p:attrName>style.visibility</p:attrName>
+                                        </p:attrNameLst>
+                                      </p:cBhvr>
+                                      <p:to>
+                                        <p:strVal val="visible"/>
+                                      </p:to>
+                                    </p:set>
+                                  </p:childTnLst>
+                                </p:cTn>
+                              </p:par>
+                            </p:childTnLst>
+                          </p:cTn>
+                        </p:par>
+                      </p:childTnLst>
+                    </p:cTn>
+                  </p:par>
+                  <p:par>
+                    <p:cTn id="43" fill="hold">
+                      <p:stCondLst>
+                        <p:cond delay="indefinite"/>
+                      </p:stCondLst>
+                      <p:childTnLst>
+                        <p:par>
+                          <p:cTn id="44" fill="hold">
+                            <p:stCondLst>
+                              <p:cond delay="0"/>
+                            </p:stCondLst>
+                            <p:childTnLst>
+                              <p:par>
+                                <p:cTn id="45" presetID="1" presetClass="entr" presetSubtype="0" fill="hold" nodeType="clickEffect">
+                                  <p:stCondLst>
+                                    <p:cond delay="0"/>
+                                  </p:stCondLst>
+                                  <p:childTnLst>
+                                    <p:set>
+                                      <p:cBhvr>
+                                        <p:cTn id="46" dur="1" fill="hold">
+                                          <p:stCondLst>
+                                            <p:cond delay="0"/>
+                                          </p:stCondLst>
+                                        </p:cTn>
+                                        <p:tgtEl>
+                                          <p:spTgt spid="63"/>
+                                        </p:tgtEl>
+                                        <p:attrNameLst>
+                                          <p:attrName>style.visibility</p:attrName>
+                                        </p:attrNameLst>
+                                      </p:cBhvr>
+                                      <p:to>
+                                        <p:strVal val="visible"/>
+                                      </p:to>
+                                    </p:set>
+                                  </p:childTnLst>
+                                </p:cTn>
+                              </p:par>
+                            </p:childTnLst>
+                          </p:cTn>
+                        </p:par>
+                      </p:childTnLst>
+                    </p:cTn>
+                  </p:par>
+                  <p:par>
+                    <p:cTn id="47" fill="hold">
+                      <p:stCondLst>
+                        <p:cond delay="indefinite"/>
+                      </p:stCondLst>
+                      <p:childTnLst>
+                        <p:par>
+                          <p:cTn id="48" fill="hold">
+                            <p:stCondLst>
+                              <p:cond delay="0"/>
+                            </p:stCondLst>
+                            <p:childTnLst>
+                              <p:par>
+                                <p:cTn id="49" presetID="1" presetClass="entr" presetSubtype="0" fill="hold" nodeType="clickEffect">
+                                  <p:stCondLst>
+                                    <p:cond delay="0"/>
+                                  </p:stCondLst>
+                                  <p:childTnLst>
+                                    <p:set>
+                                      <p:cBhvr>
+                                        <p:cTn id="50" dur="1" fill="hold">
+                                          <p:stCondLst>
+                                            <p:cond delay="0"/>
+                                          </p:stCondLst>
+                                        </p:cTn>
+                                        <p:tgtEl>
+                                          <p:spTgt spid="65"/>
+                                        </p:tgtEl>
+                                        <p:attrNameLst>
+                                          <p:attrName>style.visibility</p:attrName>
+                                        </p:attrNameLst>
+                                      </p:cBhvr>
+                                      <p:to>
+                                        <p:strVal val="visible"/>
+                                      </p:to>
+                                    </p:set>
+                                  </p:childTnLst>
+                                </p:cTn>
+                              </p:par>
+                            </p:childTnLst>
+                          </p:cTn>
+                        </p:par>
+                      </p:childTnLst>
+                    </p:cTn>
+                  </p:par>
+                  <p:par>
+                    <p:cTn id="51" fill="hold">
+                      <p:stCondLst>
+                        <p:cond delay="indefinite"/>
+                      </p:stCondLst>
+                      <p:childTnLst>
+                        <p:par>
+                          <p:cTn id="52" fill="hold">
+                            <p:stCondLst>
+                              <p:cond delay="0"/>
+                            </p:stCondLst>
+                            <p:childTnLst>
+                              <p:par>
+                                <p:cTn id="53" presetID="1" presetClass="entr" presetSubtype="0" fill="hold" nodeType="clickEffect">
+                                  <p:stCondLst>
+                                    <p:cond delay="0"/>
+                                  </p:stCondLst>
+                                  <p:childTnLst>
+                                    <p:set>
+                                      <p:cBhvr>
+                                        <p:cTn id="54" dur="1" fill="hold">
+                                          <p:stCondLst>
+                                            <p:cond delay="0"/>
+                                          </p:stCondLst>
+                                        </p:cTn>
+                                        <p:tgtEl>
+                                          <p:spTgt spid="68"/>
+                                        </p:tgtEl>
+                                        <p:attrNameLst>
+                                          <p:attrName>style.visibility</p:attrName>
+                                        </p:attrNameLst>
+                                      </p:cBhvr>
+                                      <p:to>
+                                        <p:strVal val="visible"/>
+                                      </p:to>
+                                    </p:set>
+                                  </p:childTnLst>
+                                </p:cTn>
+                              </p:par>
+                            </p:childTnLst>
+                          </p:cTn>
+                        </p:par>
+                      </p:childTnLst>
+                    </p:cTn>
+                  </p:par>
+                  <p:par>
+                    <p:cTn id="55" fill="hold">
+                      <p:stCondLst>
+                        <p:cond delay="indefinite"/>
+                      </p:stCondLst>
+                      <p:childTnLst>
+                        <p:par>
+                          <p:cTn id="56" fill="hold">
+                            <p:stCondLst>
+                              <p:cond delay="0"/>
+                            </p:stCondLst>
+                            <p:childTnLst>
+                              <p:par>
+                                <p:cTn id="57" presetID="1" presetClass="entr" presetSubtype="0" fill="hold" nodeType="clickEffect">
+                                  <p:stCondLst>
+                                    <p:cond delay="0"/>
+                                  </p:stCondLst>
+                                  <p:childTnLst>
+                                    <p:set>
+                                      <p:cBhvr>
+                                        <p:cTn id="58" dur="1" fill="hold">
+                                          <p:stCondLst>
+                                            <p:cond delay="0"/>
+                                          </p:stCondLst>
+                                        </p:cTn>
+                                        <p:tgtEl>
+                                          <p:spTgt spid="70"/>
+                                        </p:tgtEl>
+                                        <p:attrNameLst>
+                                          <p:attrName>style.visibility</p:attrName>
+                                        </p:attrNameLst>
+                                      </p:cBhvr>
+                                      <p:to>
+                                        <p:strVal val="visible"/>
+                                      </p:to>
+                                    </p:set>
+                                  </p:childTnLst>
+                                </p:cTn>
+                              </p:par>
+                            </p:childTnLst>
+                          </p:cTn>
+                        </p:par>
+                      </p:childTnLst>
+                    </p:cTn>
+                  </p:par>
+                  <p:par>
+                    <p:cTn id="59" fill="hold">
+                      <p:stCondLst>
+                        <p:cond delay="indefinite"/>
+                      </p:stCondLst>
+                      <p:childTnLst>
+                        <p:par>
+                          <p:cTn id="60" fill="hold">
+                            <p:stCondLst>
+                              <p:cond delay="0"/>
+                            </p:stCondLst>
+                            <p:childTnLst>
+                              <p:par>
+                                <p:cTn id="61" presetID="1" presetClass="entr" presetSubtype="0" fill="hold" nodeType="clickEffect">
+                                  <p:stCondLst>
+                                    <p:cond delay="0"/>
+                                  </p:stCondLst>
+                                  <p:childTnLst>
+                                    <p:set>
+                                      <p:cBhvr>
+                                        <p:cTn id="62" dur="1" fill="hold">
+                                          <p:stCondLst>
+                                            <p:cond delay="0"/>
+                                          </p:stCondLst>
+                                        </p:cTn>
+                                        <p:tgtEl>
+                                          <p:spTgt spid="73"/>
+                                        </p:tgtEl>
+                                        <p:attrNameLst>
+                                          <p:attrName>style.visibility</p:attrName>
+                                        </p:attrNameLst>
+                                      </p:cBhvr>
+                                      <p:to>
+                                        <p:strVal val="visible"/>
+                                      </p:to>
+                                    </p:set>
+                                  </p:childTnLst>
+                                </p:cTn>
+                              </p:par>
+                            </p:childTnLst>
+                          </p:cTn>
+                        </p:par>
+                      </p:childTnLst>
+                    </p:cTn>
+                  </p:par>
+                  <p:par>
+                    <p:cTn id="63" fill="hold">
+                      <p:stCondLst>
+                        <p:cond delay="indefinite"/>
+                      </p:stCondLst>
+                      <p:childTnLst>
+                        <p:par>
+                          <p:cTn id="64" fill="hold">
+                            <p:stCondLst>
+                              <p:cond delay="0"/>
+                            </p:stCondLst>
+                            <p:childTnLst>
+                              <p:par>
+                                <p:cTn id="65" presetID="1" presetClass="entr" presetSubtype="0" fill="hold" nodeType="clickEffect">
+                                  <p:stCondLst>
+                                    <p:cond delay="0"/>
+                                  </p:stCondLst>
+                                  <p:childTnLst>
+                                    <p:set>
+                                      <p:cBhvr>
+                                        <p:cTn id="66" dur="1" fill="hold">
+                                          <p:stCondLst>
+                                            <p:cond delay="0"/>
+                                          </p:stCondLst>
+                                        </p:cTn>
+                                        <p:tgtEl>
+                                          <p:spTgt spid="75"/>
+                                        </p:tgtEl>
+                                        <p:attrNameLst>
+                                          <p:attrName>style.visibility</p:attrName>
+                                        </p:attrNameLst>
+                                      </p:cBhvr>
+                                      <p:to>
+                                        <p:strVal val="visible"/>
+                                      </p:to>
+                                    </p:set>
+                                  </p:childTnLst>
+                                </p:cTn>
+                              </p:par>
+                            </p:childTnLst>
+                          </p:cTn>
+                        </p:par>
+                      </p:childTnLst>
+                    </p:cTn>
+                  </p:par>
+                  <p:par>
+                    <p:cTn id="67" fill="hold">
+                      <p:stCondLst>
+                        <p:cond delay="indefinite"/>
+                      </p:stCondLst>
+                      <p:childTnLst>
+                        <p:par>
+                          <p:cTn id="68" fill="hold">
+                            <p:stCondLst>
+                              <p:cond delay="0"/>
+                            </p:stCondLst>
+                            <p:childTnLst>
+                              <p:par>
+                                <p:cTn id="69" presetID="1" presetClass="entr" presetSubtype="0" fill="hold" nodeType="clickEffect">
+                                  <p:stCondLst>
+                                    <p:cond delay="0"/>
+                                  </p:stCondLst>
+                                  <p:childTnLst>
+                                    <p:set>
+                                      <p:cBhvr>
+                                        <p:cTn id="70" dur="1" fill="hold">
+                                          <p:stCondLst>
+                                            <p:cond delay="0"/>
+                                          </p:stCondLst>
+                                        </p:cTn>
+                                        <p:tgtEl>
+                                          <p:spTgt spid="78"/>
+                                        </p:tgtEl>
+                                        <p:attrNameLst>
+                                          <p:attrName>style.visibility</p:attrName>
+                                        </p:attrNameLst>
+                                      </p:cBhvr>
+                                      <p:to>
+                                        <p:strVal val="visible"/>
+                                      </p:to>
+                                    </p:set>
+                                  </p:childTnLst>
+                                </p:cTn>
+                              </p:par>
+                            </p:childTnLst>
+                          </p:cTn>
+                        </p:par>
+                      </p:childTnLst>
+                    </p:cTn>
+                  </p:par>
+                </p:childTnLst>
+              </p:cTn>
+              <p:prevCondLst>
+                <p:cond evt="onPrev" delay="0">
+                  <p:tgtEl>
+                    <p:sldTgt/>
+                  </p:tgtEl>
+                </p:cond>
+              </p:prevCondLst>
+              <p:nextCondLst>
+                <p:cond evt="onNext" delay="0">
+                  <p:tgtEl>
+                    <p:sldTgt/>
+                  </p:tgtEl>
+                </p:cond>
+              </p:nextCondLst>
+            </p:seq>
+          </p:childTnLst>
+        </p:cTn>
+      </p:par>
+    </p:tnLst>
+  </p:timing>
+</p:sld>
+</file>
+
+<file path=ppt/slides/slide14.xml><?xml version="1.0" encoding="utf-8"?>
+<p:sld xmlns:a="http://schemas.openxmlformats.org/drawingml/2006/main" xmlns:r="http://schemas.openxmlformats.org/officeDocument/2006/relationships" xmlns:p="http://schemas.openxmlformats.org/presentationml/2006/main">
+  <p:cSld>
+    <p:spTree>
+      <p:nvGrpSpPr>
+        <p:cNvPr id="1" name=""/>
+        <p:cNvGrpSpPr/>
+        <p:nvPr/>
+      </p:nvGrpSpPr>
+      <p:grpSpPr>
+        <a:xfrm>
+          <a:off x="0" y="0"/>
+          <a:ext cx="0" cy="0"/>
+          <a:chOff x="0" y="0"/>
+          <a:chExt cx="0" cy="0"/>
+        </a:xfrm>
+      </p:grpSpPr>
+      <p:sp>
+        <p:nvSpPr>
+          <p:cNvPr id="2" name="標題 1"/>
+          <p:cNvSpPr>
+            <a:spLocks noGrp="1"/>
+          </p:cNvSpPr>
+          <p:nvPr>
+            <p:ph type="title"/>
+          </p:nvPr>
+        </p:nvSpPr>
+        <p:spPr/>
+        <p:txBody>
+          <a:bodyPr/>
+          <a:lstStyle/>
+          <a:p>
+            <a:r>
+              <a:rPr lang="en-US" altLang="zh-TW" dirty="0"/>
+              <a:t>App </a:t>
+            </a:r>
+            <a:r>
+              <a:rPr lang="en-US" altLang="zh-TW" dirty="0" smtClean="0"/>
+              <a:t>Inventor</a:t>
+            </a:r>
+            <a:r>
+              <a:rPr lang="zh-TW" altLang="en-US" dirty="0" smtClean="0"/>
+              <a:t>的</a:t>
+            </a:r>
+            <a:r>
+              <a:rPr lang="en-US" altLang="zh-TW" dirty="0" smtClean="0"/>
+              <a:t>Procedure</a:t>
+            </a:r>
+            <a:endParaRPr lang="zh-TW" altLang="en-US" dirty="0"/>
+          </a:p>
+        </p:txBody>
+      </p:sp>
+      <p:pic>
+        <p:nvPicPr>
+          <p:cNvPr id="3" name="圖片 2"/>
+          <p:cNvPicPr>
+            <a:picLocks noChangeAspect="1"/>
+          </p:cNvPicPr>
+          <p:nvPr/>
+        </p:nvPicPr>
+        <p:blipFill>
+          <a:blip r:embed="rId2"/>
+          <a:stretch>
+            <a:fillRect/>
+          </a:stretch>
+        </p:blipFill>
+        <p:spPr>
+          <a:xfrm>
+            <a:off x="2341851" y="2759941"/>
+            <a:ext cx="4238625" cy="2095500"/>
+          </a:xfrm>
+          <a:prstGeom prst="rect">
+            <a:avLst/>
+          </a:prstGeom>
+        </p:spPr>
+      </p:pic>
+    </p:spTree>
+    <p:extLst>
+      <p:ext uri="{BB962C8B-B14F-4D97-AF65-F5344CB8AC3E}">
+        <p14:creationId xmlns:p14="http://schemas.microsoft.com/office/powerpoint/2010/main" val="578821026"/>
+      </p:ext>
+    </p:extLst>
+  </p:cSld>
+  <p:clrMapOvr>
+    <a:masterClrMapping/>
+  </p:clrMapOvr>
+</p:sld>
+</file>
+
+<file path=ppt/slides/slide15.xml><?xml version="1.0" encoding="utf-8"?>
+<p:sld xmlns:a="http://schemas.openxmlformats.org/drawingml/2006/main" xmlns:r="http://schemas.openxmlformats.org/officeDocument/2006/relationships" xmlns:p="http://schemas.openxmlformats.org/presentationml/2006/main">
+  <p:cSld>
+    <p:spTree>
+      <p:nvGrpSpPr>
+        <p:cNvPr id="1" name=""/>
+        <p:cNvGrpSpPr/>
+        <p:nvPr/>
+      </p:nvGrpSpPr>
+      <p:grpSpPr>
+        <a:xfrm>
+          <a:off x="0" y="0"/>
+          <a:ext cx="0" cy="0"/>
+          <a:chOff x="0" y="0"/>
+          <a:chExt cx="0" cy="0"/>
+        </a:xfrm>
+      </p:grpSpPr>
+      <p:pic>
+        <p:nvPicPr>
+          <p:cNvPr id="5" name="圖片 4"/>
+          <p:cNvPicPr>
+            <a:picLocks noChangeAspect="1"/>
+          </p:cNvPicPr>
+          <p:nvPr/>
+        </p:nvPicPr>
+        <p:blipFill>
+          <a:blip r:embed="rId2"/>
+          <a:stretch>
+            <a:fillRect/>
+          </a:stretch>
+        </p:blipFill>
+        <p:spPr>
+          <a:xfrm>
+            <a:off x="6898195" y="3363658"/>
+            <a:ext cx="2181225" cy="3038475"/>
+          </a:xfrm>
+          <a:prstGeom prst="rect">
+            <a:avLst/>
+          </a:prstGeom>
+        </p:spPr>
+      </p:pic>
+      <p:pic>
+        <p:nvPicPr>
+          <p:cNvPr id="6" name="圖片 5"/>
+          <p:cNvPicPr>
+            <a:picLocks noChangeAspect="1"/>
+          </p:cNvPicPr>
+          <p:nvPr/>
+        </p:nvPicPr>
+        <p:blipFill>
+          <a:blip r:embed="rId3"/>
+          <a:stretch>
+            <a:fillRect/>
+          </a:stretch>
+        </p:blipFill>
+        <p:spPr>
+          <a:xfrm>
+            <a:off x="9194101" y="3368420"/>
+            <a:ext cx="2143125" cy="3028950"/>
+          </a:xfrm>
+          <a:prstGeom prst="rect">
+            <a:avLst/>
+          </a:prstGeom>
+        </p:spPr>
+      </p:pic>
+      <p:pic>
+        <p:nvPicPr>
+          <p:cNvPr id="12" name="圖片 11"/>
+          <p:cNvPicPr>
+            <a:picLocks noChangeAspect="1"/>
+          </p:cNvPicPr>
+          <p:nvPr/>
+        </p:nvPicPr>
+        <p:blipFill>
+          <a:blip r:embed="rId4">
+            <a:extLst>
+              <a:ext uri="{BEBA8EAE-BF5A-486C-A8C5-ECC9F3942E4B}">
+                <a14:imgProps xmlns:a14="http://schemas.microsoft.com/office/drawing/2010/main">
+                  <a14:imgLayer r:embed="rId5">
+                    <a14:imgEffect>
+                      <a14:backgroundRemoval t="405" b="100000" l="0" r="100000">
+                        <a14:foregroundMark x1="47436" y1="11741" x2="47436" y2="11741"/>
+                        <a14:foregroundMark x1="52564" y1="14575" x2="52564" y2="14575"/>
+                        <a14:foregroundMark x1="58974" y1="14170" x2="58974" y2="14170"/>
+                        <a14:foregroundMark x1="53846" y1="27126" x2="53846" y2="27126"/>
+                        <a14:foregroundMark x1="57051" y1="26721" x2="57051" y2="26721"/>
+                        <a14:foregroundMark x1="58974" y1="26721" x2="58974" y2="26721"/>
+                        <a14:foregroundMark x1="58333" y1="26316" x2="58333" y2="26316"/>
+                        <a14:foregroundMark x1="76282" y1="94737" x2="76282" y2="94737"/>
+                        <a14:foregroundMark x1="45513" y1="93927" x2="45513" y2="93927"/>
+                        <a14:foregroundMark x1="16667" y1="20243" x2="16667" y2="20243"/>
+                        <a14:foregroundMark x1="91667" y1="16599" x2="91667" y2="16599"/>
+                        <a14:foregroundMark x1="87179" y1="14980" x2="87179" y2="14980"/>
+                        <a14:foregroundMark x1="39103" y1="14575" x2="39103" y2="14575"/>
+                        <a14:foregroundMark x1="41667" y1="11336" x2="41667" y2="11336"/>
+                        <a14:foregroundMark x1="70513" y1="23887" x2="70513" y2="23887"/>
+                        <a14:foregroundMark x1="67949" y1="21862" x2="67949" y2="21862"/>
+                      </a14:backgroundRemoval>
+                    </a14:imgEffect>
+                  </a14:imgLayer>
+                </a14:imgProps>
+              </a:ext>
+            </a:extLst>
+          </a:blip>
+          <a:stretch>
+            <a:fillRect/>
+          </a:stretch>
+        </p:blipFill>
+        <p:spPr>
+          <a:xfrm>
+            <a:off x="7957758" y="5078271"/>
+            <a:ext cx="793060" cy="1255679"/>
+          </a:xfrm>
+          <a:prstGeom prst="rect">
+            <a:avLst/>
+          </a:prstGeom>
+        </p:spPr>
+      </p:pic>
+      <p:sp>
+        <p:nvSpPr>
+          <p:cNvPr id="2" name="標題 1"/>
+          <p:cNvSpPr>
+            <a:spLocks noGrp="1"/>
+          </p:cNvSpPr>
+          <p:nvPr>
+            <p:ph type="title"/>
+          </p:nvPr>
+        </p:nvSpPr>
+        <p:spPr/>
+        <p:txBody>
+          <a:bodyPr/>
+          <a:lstStyle/>
+          <a:p>
+            <a:r>
+              <a:rPr lang="zh-TW" altLang="en-US" dirty="0" smtClean="0"/>
+              <a:t>物件導向程式的運作方式</a:t>
+            </a:r>
+            <a:r>
+              <a:rPr lang="en-US" altLang="zh-TW" dirty="0" smtClean="0"/>
+              <a:t/>
+            </a:r>
+            <a:br>
+              <a:rPr lang="en-US" altLang="zh-TW" dirty="0" smtClean="0"/>
+            </a:br>
+            <a:r>
+              <a:rPr lang="en-US" altLang="zh-TW" dirty="0" smtClean="0"/>
+              <a:t>----</a:t>
+            </a:r>
+            <a:r>
+              <a:rPr lang="zh-TW" altLang="en-US" b="1" dirty="0" smtClean="0"/>
+              <a:t>舞台劇</a:t>
+            </a:r>
+            <a:r>
+              <a:rPr lang="zh-TW" altLang="en-US" dirty="0"/>
+              <a:t>差可比擬</a:t>
+            </a:r>
+          </a:p>
+        </p:txBody>
+      </p:sp>
+      <p:sp>
+        <p:nvSpPr>
+          <p:cNvPr id="3" name="內容版面配置區 2"/>
+          <p:cNvSpPr>
+            <a:spLocks noGrp="1"/>
+          </p:cNvSpPr>
+          <p:nvPr>
+            <p:ph idx="1"/>
+          </p:nvPr>
+        </p:nvSpPr>
+        <p:spPr/>
+        <p:txBody>
+          <a:bodyPr>
+            <a:normAutofit/>
+          </a:bodyPr>
+          <a:lstStyle/>
+          <a:p>
+            <a:r>
+              <a:rPr lang="zh-TW" altLang="en-US" sz="1800" dirty="0" smtClean="0"/>
+              <a:t>整個程式的運行就有如舞台劇一般，一些演員</a:t>
+            </a:r>
+            <a:r>
+              <a:rPr lang="en-US" altLang="zh-TW" sz="1800" dirty="0" smtClean="0"/>
+              <a:t>(</a:t>
+            </a:r>
+            <a:r>
+              <a:rPr lang="zh-TW" altLang="en-US" sz="1800" dirty="0" smtClean="0"/>
+              <a:t>物件</a:t>
+            </a:r>
+            <a:r>
+              <a:rPr lang="en-US" altLang="zh-TW" sz="1800" dirty="0" smtClean="0"/>
+              <a:t>)</a:t>
+            </a:r>
+            <a:r>
+              <a:rPr lang="zh-TW" altLang="en-US" sz="1800" dirty="0" smtClean="0"/>
+              <a:t>依照劇本</a:t>
+            </a:r>
+            <a:r>
+              <a:rPr lang="en-US" altLang="zh-TW" sz="1800" dirty="0" smtClean="0"/>
+              <a:t>(</a:t>
+            </a:r>
+            <a:r>
+              <a:rPr lang="zh-TW" altLang="en-US" sz="1800" dirty="0" smtClean="0"/>
+              <a:t>程式碼</a:t>
+            </a:r>
+            <a:r>
+              <a:rPr lang="en-US" altLang="zh-TW" sz="1800" dirty="0" smtClean="0"/>
+              <a:t>)</a:t>
+            </a:r>
+            <a:r>
+              <a:rPr lang="zh-TW" altLang="en-US" sz="1800" dirty="0" smtClean="0"/>
+              <a:t>進行對話、移位等其他動作。</a:t>
+            </a:r>
+            <a:endParaRPr lang="en-US" altLang="zh-TW" sz="1800" dirty="0" smtClean="0"/>
+          </a:p>
+          <a:p>
+            <a:r>
+              <a:rPr lang="zh-TW" altLang="en-US" sz="1800" dirty="0"/>
+              <a:t>一個演員的</a:t>
+            </a:r>
+            <a:r>
+              <a:rPr lang="zh-TW" altLang="en-US" sz="1800" dirty="0" smtClean="0"/>
+              <a:t>動作</a:t>
+            </a:r>
+            <a:r>
+              <a:rPr lang="en-US" altLang="zh-TW" sz="1800" dirty="0" smtClean="0"/>
+              <a:t>(method)</a:t>
+            </a:r>
+            <a:r>
+              <a:rPr lang="zh-TW" altLang="en-US" sz="1800" dirty="0" smtClean="0"/>
+              <a:t>扣</a:t>
+            </a:r>
+            <a:r>
+              <a:rPr lang="zh-TW" altLang="en-US" sz="1800" dirty="0"/>
+              <a:t>著另一個演員的</a:t>
+            </a:r>
+            <a:r>
+              <a:rPr lang="zh-TW" altLang="en-US" sz="1800" dirty="0" smtClean="0"/>
+              <a:t>動作</a:t>
+            </a:r>
+            <a:r>
+              <a:rPr lang="en-US" altLang="zh-TW" sz="1800" dirty="0" smtClean="0"/>
+              <a:t>(method)</a:t>
+            </a:r>
+            <a:r>
+              <a:rPr lang="zh-TW" altLang="en-US" sz="1800" dirty="0" smtClean="0"/>
+              <a:t>，對話</a:t>
+            </a:r>
+            <a:r>
+              <a:rPr lang="en-US" altLang="zh-TW" sz="1800" dirty="0" smtClean="0"/>
+              <a:t>(message)</a:t>
+            </a:r>
+            <a:r>
+              <a:rPr lang="zh-TW" altLang="en-US" sz="1800" dirty="0" smtClean="0"/>
+              <a:t>總是有來有往，在演員間傳遞。</a:t>
+            </a:r>
+            <a:endParaRPr lang="en-US" altLang="zh-TW" sz="1800" dirty="0" smtClean="0"/>
+          </a:p>
+          <a:p>
+            <a:r>
+              <a:rPr lang="zh-TW" altLang="en-US" sz="1800" dirty="0"/>
+              <a:t>寫程式就有如寫劇本</a:t>
+            </a:r>
+            <a:r>
+              <a:rPr lang="zh-TW" altLang="en-US" sz="1800" dirty="0" smtClean="0"/>
+              <a:t>。</a:t>
+            </a:r>
+            <a:endParaRPr lang="en-US" altLang="zh-TW" sz="1800" dirty="0" smtClean="0"/>
+          </a:p>
+          <a:p>
+            <a:r>
+              <a:rPr lang="zh-TW" altLang="en-US" sz="1800" dirty="0"/>
+              <a:t>如何讓演員完美的演出</a:t>
+            </a:r>
+            <a:r>
+              <a:rPr lang="zh-TW" altLang="en-US" sz="1800" dirty="0" smtClean="0"/>
+              <a:t>，就是寫程式該解決的。</a:t>
+            </a:r>
+            <a:endParaRPr lang="en-US" altLang="zh-TW" sz="1800" dirty="0" smtClean="0"/>
+          </a:p>
+          <a:p>
+            <a:endParaRPr lang="en-US" altLang="zh-TW" sz="1800" dirty="0"/>
+          </a:p>
+          <a:p>
+            <a:r>
+              <a:rPr lang="zh-TW" altLang="en-US" sz="1800" dirty="0" smtClean="0"/>
+              <a:t>以公司來說，業務經理接下訂單，然後生產線管理接受</a:t>
+            </a:r>
+            <a:r>
+              <a:rPr lang="en-US" altLang="zh-TW" sz="1800" dirty="0" smtClean="0"/>
+              <a:t/>
+            </a:r>
+            <a:br>
+              <a:rPr lang="en-US" altLang="zh-TW" sz="1800" dirty="0" smtClean="0"/>
+            </a:br>
+            <a:r>
+              <a:rPr lang="zh-TW" altLang="en-US" sz="1800" dirty="0" smtClean="0"/>
+              <a:t>要求後，開始向原料管理要材料，跟人事管理要人員班表</a:t>
+            </a:r>
+            <a:r>
+              <a:rPr lang="en-US" altLang="zh-TW" sz="1800" dirty="0" smtClean="0"/>
+              <a:t/>
+            </a:r>
+            <a:br>
+              <a:rPr lang="en-US" altLang="zh-TW" sz="1800" dirty="0" smtClean="0"/>
+            </a:br>
+            <a:r>
+              <a:rPr lang="zh-TW" altLang="en-US" sz="1800" dirty="0" smtClean="0"/>
+              <a:t>，排好生產班表後生產，交貨後收款找財務管理。一個一</a:t>
+            </a:r>
+            <a:r>
+              <a:rPr lang="en-US" altLang="zh-TW" sz="1800" dirty="0" smtClean="0"/>
+              <a:t/>
+            </a:r>
+            <a:br>
+              <a:rPr lang="en-US" altLang="zh-TW" sz="1800" dirty="0" smtClean="0"/>
+            </a:br>
+            <a:r>
+              <a:rPr lang="zh-TW" altLang="en-US" sz="1800" dirty="0" smtClean="0"/>
+              <a:t>個獨立運行又交互合作，完成整件工作。</a:t>
+            </a:r>
+            <a:endParaRPr lang="zh-TW" altLang="en-US" sz="1800" dirty="0"/>
+          </a:p>
+        </p:txBody>
+      </p:sp>
+      <p:pic>
+        <p:nvPicPr>
+          <p:cNvPr id="9" name="圖片 8"/>
+          <p:cNvPicPr>
+            <a:picLocks noChangeAspect="1"/>
+          </p:cNvPicPr>
+          <p:nvPr/>
+        </p:nvPicPr>
+        <p:blipFill>
+          <a:blip r:embed="rId4">
+            <a:extLst>
+              <a:ext uri="{BEBA8EAE-BF5A-486C-A8C5-ECC9F3942E4B}">
+                <a14:imgProps xmlns:a14="http://schemas.microsoft.com/office/drawing/2010/main">
+                  <a14:imgLayer r:embed="rId5">
+                    <a14:imgEffect>
+                      <a14:backgroundRemoval t="405" b="100000" l="0" r="100000">
+                        <a14:foregroundMark x1="47436" y1="11741" x2="47436" y2="11741"/>
+                        <a14:foregroundMark x1="52564" y1="14575" x2="52564" y2="14575"/>
+                        <a14:foregroundMark x1="58974" y1="14170" x2="58974" y2="14170"/>
+                        <a14:foregroundMark x1="53846" y1="27126" x2="53846" y2="27126"/>
+                        <a14:foregroundMark x1="57051" y1="26721" x2="57051" y2="26721"/>
+                        <a14:foregroundMark x1="58974" y1="26721" x2="58974" y2="26721"/>
+                        <a14:foregroundMark x1="58333" y1="26316" x2="58333" y2="26316"/>
+                        <a14:foregroundMark x1="76282" y1="94737" x2="76282" y2="94737"/>
+                        <a14:foregroundMark x1="45513" y1="93927" x2="45513" y2="93927"/>
+                        <a14:foregroundMark x1="16667" y1="20243" x2="16667" y2="20243"/>
+                        <a14:foregroundMark x1="91667" y1="16599" x2="91667" y2="16599"/>
+                        <a14:foregroundMark x1="87179" y1="14980" x2="87179" y2="14980"/>
+                        <a14:foregroundMark x1="39103" y1="14575" x2="39103" y2="14575"/>
+                        <a14:foregroundMark x1="41667" y1="11336" x2="41667" y2="11336"/>
+                        <a14:foregroundMark x1="70513" y1="23887" x2="70513" y2="23887"/>
+                        <a14:foregroundMark x1="67949" y1="21862" x2="67949" y2="21862"/>
+                      </a14:backgroundRemoval>
+                    </a14:imgEffect>
+                  </a14:imgLayer>
+                </a14:imgProps>
+              </a:ext>
+            </a:extLst>
+          </a:blip>
+          <a:stretch>
+            <a:fillRect/>
+          </a:stretch>
+        </p:blipFill>
+        <p:spPr>
+          <a:xfrm>
+            <a:off x="7377864" y="5078271"/>
+            <a:ext cx="793060" cy="1255679"/>
+          </a:xfrm>
+          <a:prstGeom prst="rect">
+            <a:avLst/>
+          </a:prstGeom>
+        </p:spPr>
+      </p:pic>
+      <p:pic>
+        <p:nvPicPr>
+          <p:cNvPr id="10" name="圖片 9"/>
+          <p:cNvPicPr>
+            <a:picLocks noChangeAspect="1"/>
+          </p:cNvPicPr>
+          <p:nvPr/>
+        </p:nvPicPr>
+        <p:blipFill>
+          <a:blip r:embed="rId6">
+            <a:extLst>
+              <a:ext uri="{BEBA8EAE-BF5A-486C-A8C5-ECC9F3942E4B}">
+                <a14:imgProps xmlns:a14="http://schemas.microsoft.com/office/drawing/2010/main">
+                  <a14:imgLayer r:embed="rId7">
+                    <a14:imgEffect>
+                      <a14:backgroundRemoval t="0" b="99080" l="0" r="100000">
+                        <a14:foregroundMark x1="29452" y1="28528" x2="29452" y2="28528"/>
+                        <a14:foregroundMark x1="82192" y1="37730" x2="82192" y2="37730"/>
+                        <a14:foregroundMark x1="46575" y1="17791" x2="46575" y2="17791"/>
+                        <a14:foregroundMark x1="47260" y1="17791" x2="47260" y2="17791"/>
+                        <a14:foregroundMark x1="46575" y1="18098" x2="46575" y2="18098"/>
+                        <a14:foregroundMark x1="24658" y1="13497" x2="24658" y2="13497"/>
+                        <a14:foregroundMark x1="28767" y1="11043" x2="28767" y2="11043"/>
+                        <a14:foregroundMark x1="82192" y1="23313" x2="82192" y2="23313"/>
+                        <a14:foregroundMark x1="78082" y1="19939" x2="78082" y2="19939"/>
+                        <a14:foregroundMark x1="51370" y1="19939" x2="51370" y2="19939"/>
+                        <a14:foregroundMark x1="54795" y1="18712" x2="54795" y2="18712"/>
+                        <a14:foregroundMark x1="59589" y1="14724" x2="59589" y2="14724"/>
+                      </a14:backgroundRemoval>
+                    </a14:imgEffect>
+                  </a14:imgLayer>
+                </a14:imgProps>
+              </a:ext>
+            </a:extLst>
+          </a:blip>
+          <a:stretch>
+            <a:fillRect/>
+          </a:stretch>
+        </p:blipFill>
+        <p:spPr>
+          <a:xfrm>
+            <a:off x="10316209" y="5212080"/>
+            <a:ext cx="502433" cy="1121870"/>
+          </a:xfrm>
+          <a:prstGeom prst="rect">
+            <a:avLst/>
+          </a:prstGeom>
+        </p:spPr>
+      </p:pic>
+      <p:pic>
+        <p:nvPicPr>
+          <p:cNvPr id="11" name="圖片 10"/>
+          <p:cNvPicPr>
+            <a:picLocks noChangeAspect="1"/>
+          </p:cNvPicPr>
+          <p:nvPr/>
+        </p:nvPicPr>
+        <p:blipFill>
+          <a:blip r:embed="rId8">
+            <a:extLst>
+              <a:ext uri="{BEBA8EAE-BF5A-486C-A8C5-ECC9F3942E4B}">
+                <a14:imgProps xmlns:a14="http://schemas.microsoft.com/office/drawing/2010/main">
+                  <a14:imgLayer r:embed="rId9">
+                    <a14:imgEffect>
+                      <a14:backgroundRemoval t="413" b="99587" l="0" r="99259">
+                        <a14:foregroundMark x1="64444" y1="27273" x2="64444" y2="27273"/>
+                        <a14:foregroundMark x1="58519" y1="26033" x2="58519" y2="26033"/>
+                        <a14:foregroundMark x1="54815" y1="8264" x2="54815" y2="8264"/>
+                        <a14:foregroundMark x1="68148" y1="8678" x2="68148" y2="8678"/>
+                        <a14:foregroundMark x1="66667" y1="95868" x2="66667" y2="95868"/>
+                        <a14:foregroundMark x1="41481" y1="95455" x2="41481" y2="95455"/>
+                      </a14:backgroundRemoval>
+                    </a14:imgEffect>
+                  </a14:imgLayer>
+                </a14:imgProps>
+              </a:ext>
+            </a:extLst>
+          </a:blip>
+          <a:stretch>
+            <a:fillRect/>
+          </a:stretch>
+        </p:blipFill>
+        <p:spPr>
+          <a:xfrm flipH="1">
+            <a:off x="8173047" y="5103192"/>
+            <a:ext cx="621146" cy="1239980"/>
+          </a:xfrm>
+          <a:prstGeom prst="rect">
+            <a:avLst/>
+          </a:prstGeom>
+        </p:spPr>
+      </p:pic>
+      <p:pic>
+        <p:nvPicPr>
+          <p:cNvPr id="13" name="圖片 12"/>
+          <p:cNvPicPr>
+            <a:picLocks noChangeAspect="1"/>
+          </p:cNvPicPr>
+          <p:nvPr/>
+        </p:nvPicPr>
+        <p:blipFill>
+          <a:blip r:embed="rId6">
+            <a:extLst>
+              <a:ext uri="{BEBA8EAE-BF5A-486C-A8C5-ECC9F3942E4B}">
+                <a14:imgProps xmlns:a14="http://schemas.microsoft.com/office/drawing/2010/main">
+                  <a14:imgLayer r:embed="rId7">
+                    <a14:imgEffect>
+                      <a14:backgroundRemoval t="0" b="99080" l="0" r="100000">
+                        <a14:foregroundMark x1="29452" y1="28528" x2="29452" y2="28528"/>
+                        <a14:foregroundMark x1="82192" y1="37730" x2="82192" y2="37730"/>
+                        <a14:foregroundMark x1="46575" y1="17791" x2="46575" y2="17791"/>
+                        <a14:foregroundMark x1="47260" y1="17791" x2="47260" y2="17791"/>
+                        <a14:foregroundMark x1="46575" y1="18098" x2="46575" y2="18098"/>
+                        <a14:foregroundMark x1="24658" y1="13497" x2="24658" y2="13497"/>
+                        <a14:foregroundMark x1="28767" y1="11043" x2="28767" y2="11043"/>
+                        <a14:foregroundMark x1="82192" y1="23313" x2="82192" y2="23313"/>
+                        <a14:foregroundMark x1="78082" y1="19939" x2="78082" y2="19939"/>
+                        <a14:foregroundMark x1="51370" y1="19939" x2="51370" y2="19939"/>
+                        <a14:foregroundMark x1="54795" y1="18712" x2="54795" y2="18712"/>
+                        <a14:foregroundMark x1="59589" y1="14724" x2="59589" y2="14724"/>
+                      </a14:backgroundRemoval>
+                    </a14:imgEffect>
+                  </a14:imgLayer>
+                </a14:imgProps>
+              </a:ext>
+            </a:extLst>
+          </a:blip>
+          <a:stretch>
+            <a:fillRect/>
+          </a:stretch>
+        </p:blipFill>
+        <p:spPr>
+          <a:xfrm>
+            <a:off x="9148698" y="5212080"/>
+            <a:ext cx="502433" cy="1121870"/>
+          </a:xfrm>
+          <a:prstGeom prst="rect">
+            <a:avLst/>
+          </a:prstGeom>
+        </p:spPr>
+      </p:pic>
+      <p:pic>
+        <p:nvPicPr>
+          <p:cNvPr id="15" name="圖片 14"/>
+          <p:cNvPicPr>
+            <a:picLocks noChangeAspect="1"/>
+          </p:cNvPicPr>
+          <p:nvPr/>
+        </p:nvPicPr>
+        <p:blipFill>
+          <a:blip r:embed="rId6">
+            <a:extLst>
+              <a:ext uri="{BEBA8EAE-BF5A-486C-A8C5-ECC9F3942E4B}">
+                <a14:imgProps xmlns:a14="http://schemas.microsoft.com/office/drawing/2010/main">
+                  <a14:imgLayer r:embed="rId7">
+                    <a14:imgEffect>
+                      <a14:backgroundRemoval t="0" b="99080" l="0" r="100000">
+                        <a14:foregroundMark x1="29452" y1="28528" x2="29452" y2="28528"/>
+                        <a14:foregroundMark x1="82192" y1="37730" x2="82192" y2="37730"/>
+                        <a14:foregroundMark x1="46575" y1="17791" x2="46575" y2="17791"/>
+                        <a14:foregroundMark x1="47260" y1="17791" x2="47260" y2="17791"/>
+                        <a14:foregroundMark x1="46575" y1="18098" x2="46575" y2="18098"/>
+                        <a14:foregroundMark x1="24658" y1="13497" x2="24658" y2="13497"/>
+                        <a14:foregroundMark x1="28767" y1="11043" x2="28767" y2="11043"/>
+                        <a14:foregroundMark x1="82192" y1="23313" x2="82192" y2="23313"/>
+                        <a14:foregroundMark x1="78082" y1="19939" x2="78082" y2="19939"/>
+                        <a14:foregroundMark x1="51370" y1="19939" x2="51370" y2="19939"/>
+                        <a14:foregroundMark x1="54795" y1="18712" x2="54795" y2="18712"/>
+                        <a14:foregroundMark x1="59589" y1="14724" x2="59589" y2="14724"/>
+                      </a14:backgroundRemoval>
+                    </a14:imgEffect>
+                  </a14:imgLayer>
+                </a14:imgProps>
+              </a:ext>
+            </a:extLst>
+          </a:blip>
+          <a:stretch>
+            <a:fillRect/>
+          </a:stretch>
+        </p:blipFill>
+        <p:spPr>
+          <a:xfrm>
+            <a:off x="9137466" y="5210341"/>
+            <a:ext cx="502433" cy="1121870"/>
+          </a:xfrm>
+          <a:prstGeom prst="rect">
+            <a:avLst/>
+          </a:prstGeom>
+        </p:spPr>
+      </p:pic>
+      <p:pic>
+        <p:nvPicPr>
+          <p:cNvPr id="14" name="圖片 13"/>
+          <p:cNvPicPr>
+            <a:picLocks noChangeAspect="1"/>
+          </p:cNvPicPr>
+          <p:nvPr/>
+        </p:nvPicPr>
+        <p:blipFill>
+          <a:blip r:embed="rId10">
+            <a:extLst>
+              <a:ext uri="{BEBA8EAE-BF5A-486C-A8C5-ECC9F3942E4B}">
+                <a14:imgProps xmlns:a14="http://schemas.microsoft.com/office/drawing/2010/main">
+                  <a14:imgLayer r:embed="rId11">
+                    <a14:imgEffect>
+                      <a14:backgroundRemoval t="0" b="100000" l="730" r="100000">
+                        <a14:foregroundMark x1="81022" y1="38554" x2="81022" y2="38554"/>
+                      </a14:backgroundRemoval>
+                    </a14:imgEffect>
+                  </a14:imgLayer>
+                </a14:imgProps>
+              </a:ext>
+            </a:extLst>
+          </a:blip>
+          <a:stretch>
+            <a:fillRect/>
+          </a:stretch>
+        </p:blipFill>
+        <p:spPr>
+          <a:xfrm>
+            <a:off x="9165074" y="5202176"/>
+            <a:ext cx="469679" cy="1138200"/>
+          </a:xfrm>
+          <a:prstGeom prst="rect">
+            <a:avLst/>
+          </a:prstGeom>
+        </p:spPr>
+      </p:pic>
+      <p:sp>
+        <p:nvSpPr>
+          <p:cNvPr id="17" name="橢圓形圖說文字 16"/>
+          <p:cNvSpPr/>
+          <p:nvPr/>
+        </p:nvSpPr>
+        <p:spPr>
+          <a:xfrm>
+            <a:off x="8381495" y="4662694"/>
+            <a:ext cx="484632" cy="356616"/>
+          </a:xfrm>
+          <a:prstGeom prst="wedgeEllipseCallout">
+            <a:avLst>
+              <a:gd name="adj1" fmla="val -32154"/>
+              <a:gd name="adj2" fmla="val 80449"/>
+            </a:avLst>
+          </a:prstGeom>
+          <a:solidFill>
+            <a:schemeClr val="bg1"/>
+          </a:solidFill>
+          <a:ln>
+            <a:solidFill>
+              <a:schemeClr val="tx1"/>
+            </a:solidFill>
+          </a:ln>
+        </p:spPr>
+        <p:style>
+          <a:lnRef idx="2">
+            <a:schemeClr val="accent1">
+              <a:shade val="50000"/>
+            </a:schemeClr>
+          </a:lnRef>
+          <a:fillRef idx="1">
+            <a:schemeClr val="accent1"/>
+          </a:fillRef>
+          <a:effectRef idx="0">
+            <a:schemeClr val="accent1"/>
+          </a:effectRef>
+          <a:fontRef idx="minor">
+            <a:schemeClr val="lt1"/>
+          </a:fontRef>
+        </p:style>
+        <p:txBody>
+          <a:bodyPr rtlCol="0" anchor="ctr"/>
+          <a:lstStyle/>
+          <a:p>
+            <a:pPr algn="ctr"/>
+            <a:endParaRPr lang="zh-TW" altLang="en-US"/>
+          </a:p>
+        </p:txBody>
+      </p:sp>
+      <p:sp>
+        <p:nvSpPr>
+          <p:cNvPr id="18" name="橢圓形圖說文字 17"/>
+          <p:cNvSpPr/>
+          <p:nvPr/>
+        </p:nvSpPr>
+        <p:spPr>
+          <a:xfrm>
+            <a:off x="8865499" y="4807164"/>
+            <a:ext cx="401217" cy="279918"/>
+          </a:xfrm>
+          <a:prstGeom prst="wedgeEllipseCallout">
+            <a:avLst>
+              <a:gd name="adj1" fmla="val 55911"/>
+              <a:gd name="adj2" fmla="val 92500"/>
+            </a:avLst>
+          </a:prstGeom>
+          <a:solidFill>
+            <a:schemeClr val="bg1"/>
+          </a:solidFill>
+          <a:ln>
+            <a:solidFill>
+              <a:srgbClr val="FF0000"/>
+            </a:solidFill>
+          </a:ln>
+        </p:spPr>
+        <p:style>
+          <a:lnRef idx="2">
+            <a:schemeClr val="accent1">
+              <a:shade val="50000"/>
+            </a:schemeClr>
+          </a:lnRef>
+          <a:fillRef idx="1">
+            <a:schemeClr val="accent1"/>
+          </a:fillRef>
+          <a:effectRef idx="0">
+            <a:schemeClr val="accent1"/>
+          </a:effectRef>
+          <a:fontRef idx="minor">
+            <a:schemeClr val="lt1"/>
+          </a:fontRef>
+        </p:style>
+        <p:txBody>
+          <a:bodyPr rtlCol="0" anchor="ctr"/>
+          <a:lstStyle/>
+          <a:p>
+            <a:pPr algn="ctr"/>
+            <a:endParaRPr lang="zh-TW" altLang="en-US"/>
+          </a:p>
+        </p:txBody>
+      </p:sp>
+    </p:spTree>
+    <p:extLst>
+      <p:ext uri="{BB962C8B-B14F-4D97-AF65-F5344CB8AC3E}">
+        <p14:creationId xmlns:p14="http://schemas.microsoft.com/office/powerpoint/2010/main" val="3994334797"/>
+      </p:ext>
+    </p:extLst>
+  </p:cSld>
+  <p:clrMapOvr>
+    <a:masterClrMapping/>
+  </p:clrMapOvr>
+  <p:timing>
+    <p:tnLst>
+      <p:par>
+        <p:cTn id="1" dur="indefinite" restart="never" nodeType="tmRoot">
+          <p:childTnLst>
+            <p:seq concurrent="1" nextAc="seek">
+              <p:cTn id="2" dur="indefinite" nodeType="mainSeq">
+                <p:childTnLst>
+                  <p:par>
+                    <p:cTn id="3" fill="hold">
+                      <p:stCondLst>
+                        <p:cond delay="indefinite"/>
+                      </p:stCondLst>
+                      <p:childTnLst>
+                        <p:par>
+                          <p:cTn id="4" fill="hold">
+                            <p:stCondLst>
+                              <p:cond delay="0"/>
+                            </p:stCondLst>
+                            <p:childTnLst>
+                              <p:par>
+                                <p:cTn id="5" presetID="42" presetClass="path" presetSubtype="0" accel="50000" decel="50000" fill="hold" nodeType="clickEffect">
+                                  <p:stCondLst>
+                                    <p:cond delay="0"/>
+                                  </p:stCondLst>
+                                  <p:childTnLst>
+                                    <p:animMotion origin="layout" path="M -2.08333E-7 -4.44444E-6 L 0.04792 -4.44444E-6 " pathEditMode="relative" rAng="0" ptsTypes="AA">
+                                      <p:cBhvr>
+                                        <p:cTn id="6" dur="2000" fill="hold"/>
+                                        <p:tgtEl>
+                                          <p:spTgt spid="9"/>
+                                        </p:tgtEl>
+                                        <p:attrNameLst>
+                                          <p:attrName>ppt_x</p:attrName>
+                                          <p:attrName>ppt_y</p:attrName>
+                                        </p:attrNameLst>
+                                      </p:cBhvr>
+                                      <p:rCtr x="2396" y="0"/>
+                                    </p:animMotion>
+                                  </p:childTnLst>
+                                  <p:subTnLst>
+                                    <p:set>
+                                      <p:cBhvr override="childStyle">
+                                        <p:cTn dur="1" fill="hold" display="0" masterRel="nextClick" afterEffect="1"/>
+                                        <p:tgtEl>
+                                          <p:spTgt spid="9"/>
+                                        </p:tgtEl>
+                                        <p:attrNameLst>
+                                          <p:attrName>style.visibility</p:attrName>
+                                        </p:attrNameLst>
+                                      </p:cBhvr>
+                                      <p:to>
+                                        <p:strVal val="hidden"/>
+                                      </p:to>
+                                    </p:set>
+                                  </p:subTnLst>
+                                </p:cTn>
+                              </p:par>
+                              <p:par>
+                                <p:cTn id="7" presetID="42" presetClass="path" presetSubtype="0" accel="50000" decel="50000" fill="hold" nodeType="withEffect">
+                                  <p:stCondLst>
+                                    <p:cond delay="0"/>
+                                  </p:stCondLst>
+                                  <p:childTnLst>
+                                    <p:animMotion origin="layout" path="M 3.33333E-6 3.33333E-6 L -0.09662 0.00092 " pathEditMode="relative" rAng="0" ptsTypes="AA">
+                                      <p:cBhvr>
+                                        <p:cTn id="8" dur="2000" fill="hold"/>
+                                        <p:tgtEl>
+                                          <p:spTgt spid="10"/>
+                                        </p:tgtEl>
+                                        <p:attrNameLst>
+                                          <p:attrName>ppt_x</p:attrName>
+                                          <p:attrName>ppt_y</p:attrName>
+                                        </p:attrNameLst>
+                                      </p:cBhvr>
+                                      <p:rCtr x="-4831" y="46"/>
+                                    </p:animMotion>
+                                  </p:childTnLst>
+                                  <p:subTnLst>
+                                    <p:set>
+                                      <p:cBhvr override="childStyle">
+                                        <p:cTn dur="1" fill="hold" display="0" masterRel="nextClick" afterEffect="1"/>
+                                        <p:tgtEl>
+                                          <p:spTgt spid="10"/>
+                                        </p:tgtEl>
+                                        <p:attrNameLst>
+                                          <p:attrName>style.visibility</p:attrName>
+                                        </p:attrNameLst>
+                                      </p:cBhvr>
+                                      <p:to>
+                                        <p:strVal val="hidden"/>
+                                      </p:to>
+                                    </p:set>
+                                  </p:subTnLst>
+                                </p:cTn>
+                              </p:par>
+                            </p:childTnLst>
+                          </p:cTn>
+                        </p:par>
+                      </p:childTnLst>
+                    </p:cTn>
+                  </p:par>
+                  <p:par>
+                    <p:cTn id="9" fill="hold">
+                      <p:stCondLst>
+                        <p:cond delay="indefinite"/>
+                      </p:stCondLst>
+                      <p:childTnLst>
+                        <p:par>
+                          <p:cTn id="10" fill="hold">
+                            <p:stCondLst>
+                              <p:cond delay="0"/>
+                            </p:stCondLst>
+                            <p:childTnLst>
+                              <p:par>
+                                <p:cTn id="11" presetID="1" presetClass="entr" presetSubtype="0" fill="hold" nodeType="clickEffect">
+                                  <p:stCondLst>
+                                    <p:cond delay="0"/>
+                                  </p:stCondLst>
+                                  <p:childTnLst>
+                                    <p:set>
+                                      <p:cBhvr>
+                                        <p:cTn id="12" dur="1" fill="hold">
+                                          <p:stCondLst>
+                                            <p:cond delay="0"/>
+                                          </p:stCondLst>
+                                        </p:cTn>
+                                        <p:tgtEl>
+                                          <p:spTgt spid="12"/>
+                                        </p:tgtEl>
+                                        <p:attrNameLst>
+                                          <p:attrName>style.visibility</p:attrName>
+                                        </p:attrNameLst>
+                                      </p:cBhvr>
+                                      <p:to>
+                                        <p:strVal val="visible"/>
+                                      </p:to>
+                                    </p:set>
+                                  </p:childTnLst>
+                                  <p:subTnLst>
+                                    <p:set>
+                                      <p:cBhvr override="childStyle">
+                                        <p:cTn dur="1" fill="hold" display="0" masterRel="nextClick" afterEffect="1"/>
+                                        <p:tgtEl>
+                                          <p:spTgt spid="12"/>
+                                        </p:tgtEl>
+                                        <p:attrNameLst>
+                                          <p:attrName>style.visibility</p:attrName>
+                                        </p:attrNameLst>
+                                      </p:cBhvr>
+                                      <p:to>
+                                        <p:strVal val="hidden"/>
+                                      </p:to>
+                                    </p:set>
+                                  </p:subTnLst>
+                                </p:cTn>
+                              </p:par>
+                              <p:par>
+                                <p:cTn id="13" presetID="1" presetClass="entr" presetSubtype="0" fill="hold" nodeType="withEffect">
+                                  <p:stCondLst>
+                                    <p:cond delay="0"/>
+                                  </p:stCondLst>
+                                  <p:childTnLst>
+                                    <p:set>
+                                      <p:cBhvr>
+                                        <p:cTn id="14" dur="1" fill="hold">
+                                          <p:stCondLst>
+                                            <p:cond delay="0"/>
+                                          </p:stCondLst>
+                                        </p:cTn>
+                                        <p:tgtEl>
+                                          <p:spTgt spid="13"/>
+                                        </p:tgtEl>
+                                        <p:attrNameLst>
+                                          <p:attrName>style.visibility</p:attrName>
+                                        </p:attrNameLst>
+                                      </p:cBhvr>
+                                      <p:to>
+                                        <p:strVal val="visible"/>
+                                      </p:to>
+                                    </p:set>
+                                  </p:childTnLst>
+                                  <p:subTnLst>
+                                    <p:set>
+                                      <p:cBhvr override="childStyle">
+                                        <p:cTn dur="1" fill="hold" display="0" masterRel="nextClick" afterEffect="1"/>
+                                        <p:tgtEl>
+                                          <p:spTgt spid="13"/>
+                                        </p:tgtEl>
+                                        <p:attrNameLst>
+                                          <p:attrName>style.visibility</p:attrName>
+                                        </p:attrNameLst>
+                                      </p:cBhvr>
+                                      <p:to>
+                                        <p:strVal val="hidden"/>
+                                      </p:to>
+                                    </p:set>
+                                  </p:subTnLst>
+                                </p:cTn>
+                              </p:par>
+                            </p:childTnLst>
+                          </p:cTn>
+                        </p:par>
+                      </p:childTnLst>
+                    </p:cTn>
+                  </p:par>
+                  <p:par>
+                    <p:cTn id="15" fill="hold">
+                      <p:stCondLst>
+                        <p:cond delay="indefinite"/>
+                      </p:stCondLst>
+                      <p:childTnLst>
+                        <p:par>
+                          <p:cTn id="16" fill="hold">
+                            <p:stCondLst>
+                              <p:cond delay="0"/>
+                            </p:stCondLst>
+                            <p:childTnLst>
+                              <p:par>
+                                <p:cTn id="17" presetID="1" presetClass="entr" presetSubtype="0" fill="hold" nodeType="clickEffect">
+                                  <p:stCondLst>
+                                    <p:cond delay="0"/>
+                                  </p:stCondLst>
+                                  <p:childTnLst>
+                                    <p:set>
+                                      <p:cBhvr>
+                                        <p:cTn id="18" dur="1" fill="hold">
+                                          <p:stCondLst>
+                                            <p:cond delay="0"/>
+                                          </p:stCondLst>
+                                        </p:cTn>
+                                        <p:tgtEl>
+                                          <p:spTgt spid="11"/>
+                                        </p:tgtEl>
+                                        <p:attrNameLst>
+                                          <p:attrName>style.visibility</p:attrName>
+                                        </p:attrNameLst>
+                                      </p:cBhvr>
+                                      <p:to>
+                                        <p:strVal val="visible"/>
+                                      </p:to>
+                                    </p:set>
+                                  </p:childTnLst>
+                                </p:cTn>
+                              </p:par>
+                              <p:par>
+                                <p:cTn id="19" presetID="1" presetClass="entr" presetSubtype="0" fill="hold" nodeType="withEffect">
+                                  <p:stCondLst>
+                                    <p:cond delay="0"/>
+                                  </p:stCondLst>
+                                  <p:childTnLst>
+                                    <p:set>
+                                      <p:cBhvr>
+                                        <p:cTn id="20" dur="1" fill="hold">
+                                          <p:stCondLst>
+                                            <p:cond delay="0"/>
+                                          </p:stCondLst>
+                                        </p:cTn>
+                                        <p:tgtEl>
+                                          <p:spTgt spid="15"/>
+                                        </p:tgtEl>
+                                        <p:attrNameLst>
+                                          <p:attrName>style.visibility</p:attrName>
+                                        </p:attrNameLst>
+                                      </p:cBhvr>
+                                      <p:to>
+                                        <p:strVal val="visible"/>
+                                      </p:to>
+                                    </p:set>
+                                  </p:childTnLst>
+                                  <p:subTnLst>
+                                    <p:set>
+                                      <p:cBhvr override="childStyle">
+                                        <p:cTn dur="1" fill="hold" display="0" masterRel="nextClick" afterEffect="1"/>
+                                        <p:tgtEl>
+                                          <p:spTgt spid="15"/>
+                                        </p:tgtEl>
+                                        <p:attrNameLst>
+                                          <p:attrName>style.visibility</p:attrName>
+                                        </p:attrNameLst>
+                                      </p:cBhvr>
+                                      <p:to>
+                                        <p:strVal val="hidden"/>
+                                      </p:to>
+                                    </p:set>
+                                  </p:subTnLst>
+                                </p:cTn>
+                              </p:par>
+                              <p:par>
+                                <p:cTn id="21" presetID="1" presetClass="entr" presetSubtype="0" fill="hold" grpId="0" nodeType="withEffect">
+                                  <p:stCondLst>
+                                    <p:cond delay="0"/>
+                                  </p:stCondLst>
+                                  <p:childTnLst>
+                                    <p:set>
+                                      <p:cBhvr>
+                                        <p:cTn id="22" dur="1" fill="hold">
+                                          <p:stCondLst>
+                                            <p:cond delay="0"/>
+                                          </p:stCondLst>
+                                        </p:cTn>
+                                        <p:tgtEl>
+                                          <p:spTgt spid="17"/>
+                                        </p:tgtEl>
+                                        <p:attrNameLst>
+                                          <p:attrName>style.visibility</p:attrName>
+                                        </p:attrNameLst>
+                                      </p:cBhvr>
+                                      <p:to>
+                                        <p:strVal val="visible"/>
+                                      </p:to>
+                                    </p:set>
+                                  </p:childTnLst>
+                                </p:cTn>
+                              </p:par>
+                            </p:childTnLst>
+                          </p:cTn>
+                        </p:par>
+                      </p:childTnLst>
+                    </p:cTn>
+                  </p:par>
+                  <p:par>
+                    <p:cTn id="23" fill="hold">
+                      <p:stCondLst>
+                        <p:cond delay="indefinite"/>
+                      </p:stCondLst>
+                      <p:childTnLst>
+                        <p:par>
+                          <p:cTn id="24" fill="hold">
+                            <p:stCondLst>
+                              <p:cond delay="0"/>
+                            </p:stCondLst>
+                            <p:childTnLst>
+                              <p:par>
+                                <p:cTn id="25" presetID="1" presetClass="entr" presetSubtype="0" fill="hold" nodeType="clickEffect">
+                                  <p:stCondLst>
+                                    <p:cond delay="0"/>
+                                  </p:stCondLst>
+                                  <p:childTnLst>
+                                    <p:set>
+                                      <p:cBhvr>
+                                        <p:cTn id="26" dur="1" fill="hold">
+                                          <p:stCondLst>
+                                            <p:cond delay="0"/>
+                                          </p:stCondLst>
+                                        </p:cTn>
+                                        <p:tgtEl>
+                                          <p:spTgt spid="14"/>
+                                        </p:tgtEl>
+                                        <p:attrNameLst>
+                                          <p:attrName>style.visibility</p:attrName>
+                                        </p:attrNameLst>
+                                      </p:cBhvr>
+                                      <p:to>
+                                        <p:strVal val="visible"/>
+                                      </p:to>
+                                    </p:set>
+                                  </p:childTnLst>
+                                </p:cTn>
+                              </p:par>
+                              <p:par>
+                                <p:cTn id="27" presetID="1" presetClass="entr" presetSubtype="0" fill="hold" grpId="0" nodeType="withEffect">
+                                  <p:stCondLst>
+                                    <p:cond delay="0"/>
+                                  </p:stCondLst>
+                                  <p:childTnLst>
+                                    <p:set>
+                                      <p:cBhvr>
+                                        <p:cTn id="28" dur="1" fill="hold">
+                                          <p:stCondLst>
+                                            <p:cond delay="0"/>
+                                          </p:stCondLst>
+                                        </p:cTn>
+                                        <p:tgtEl>
+                                          <p:spTgt spid="18"/>
+                                        </p:tgtEl>
+                                        <p:attrNameLst>
+                                          <p:attrName>style.visibility</p:attrName>
+                                        </p:attrNameLst>
+                                      </p:cBhvr>
+                                      <p:to>
+                                        <p:strVal val="visible"/>
+                                      </p:to>
+                                    </p:set>
+                                  </p:childTnLst>
+                                </p:cTn>
+                              </p:par>
+                            </p:childTnLst>
+                          </p:cTn>
+                        </p:par>
+                      </p:childTnLst>
+                    </p:cTn>
+                  </p:par>
+                </p:childTnLst>
+              </p:cTn>
+              <p:prevCondLst>
+                <p:cond evt="onPrev" delay="0">
+                  <p:tgtEl>
+                    <p:sldTgt/>
+                  </p:tgtEl>
+                </p:cond>
+              </p:prevCondLst>
+              <p:nextCondLst>
+                <p:cond evt="onNext" delay="0">
+                  <p:tgtEl>
+                    <p:sldTgt/>
+                  </p:tgtEl>
+                </p:cond>
+              </p:nextCondLst>
+            </p:seq>
+          </p:childTnLst>
+        </p:cTn>
+      </p:par>
+    </p:tnLst>
+    <p:bldLst>
+      <p:bldP spid="17" grpId="0" animBg="1"/>
+      <p:bldP spid="18" grpId="0" animBg="1"/>
+    </p:bldLst>
+  </p:timing>
+</p:sld>
+</file>
+
+<file path=ppt/slides/slide16.xml><?xml version="1.0" encoding="utf-8"?>
+<p:sld xmlns:a="http://schemas.openxmlformats.org/drawingml/2006/main" xmlns:r="http://schemas.openxmlformats.org/officeDocument/2006/relationships" xmlns:p="http://schemas.openxmlformats.org/presentationml/2006/main">
+  <p:cSld>
+    <p:spTree>
+      <p:nvGrpSpPr>
+        <p:cNvPr id="1" name=""/>
+        <p:cNvGrpSpPr/>
+        <p:nvPr/>
+      </p:nvGrpSpPr>
+      <p:grpSpPr>
+        <a:xfrm>
+          <a:off x="0" y="0"/>
+          <a:ext cx="0" cy="0"/>
+          <a:chOff x="0" y="0"/>
+          <a:chExt cx="0" cy="0"/>
+        </a:xfrm>
+      </p:grpSpPr>
+      <p:sp>
+        <p:nvSpPr>
+          <p:cNvPr id="2" name="標題 1"/>
+          <p:cNvSpPr>
+            <a:spLocks noGrp="1"/>
+          </p:cNvSpPr>
+          <p:nvPr>
+            <p:ph type="title"/>
+          </p:nvPr>
+        </p:nvSpPr>
+        <p:spPr/>
+        <p:txBody>
+          <a:bodyPr/>
+          <a:lstStyle/>
+          <a:p>
+            <a:r>
+              <a:rPr lang="zh-TW" altLang="en-US" dirty="0"/>
+              <a:t>物件導向初</a:t>
+            </a:r>
+            <a:r>
+              <a:rPr lang="zh-TW" altLang="en-US" dirty="0" smtClean="0"/>
+              <a:t>探</a:t>
+            </a:r>
+            <a:r>
+              <a:rPr lang="en-US" altLang="zh-TW" dirty="0" smtClean="0"/>
+              <a:t/>
+            </a:r>
+            <a:br>
+              <a:rPr lang="en-US" altLang="zh-TW" dirty="0" smtClean="0"/>
+            </a:br>
+            <a:r>
+              <a:rPr lang="zh-TW" altLang="en-US" dirty="0" smtClean="0"/>
+              <a:t>使用物件的三大重點</a:t>
+            </a:r>
+            <a:endParaRPr lang="zh-TW" altLang="en-US" dirty="0"/>
+          </a:p>
+        </p:txBody>
+      </p:sp>
+      <p:sp>
+        <p:nvSpPr>
+          <p:cNvPr id="3" name="內容版面配置區 2"/>
+          <p:cNvSpPr>
+            <a:spLocks noGrp="1"/>
+          </p:cNvSpPr>
+          <p:nvPr>
+            <p:ph idx="1"/>
+          </p:nvPr>
+        </p:nvSpPr>
+        <p:spPr/>
+        <p:txBody>
+          <a:bodyPr>
+            <a:normAutofit/>
+          </a:bodyPr>
+          <a:lstStyle/>
+          <a:p>
+            <a:r>
+              <a:rPr lang="zh-TW" altLang="en-US" sz="2000" b="1" dirty="0" smtClean="0"/>
+              <a:t>有甚麼屬性？</a:t>
+            </a:r>
+            <a:endParaRPr lang="en-US" altLang="zh-TW" sz="2000" b="1" dirty="0" smtClean="0"/>
+          </a:p>
+          <a:p>
+            <a:pPr lvl="1"/>
+            <a:r>
+              <a:rPr lang="zh-TW" altLang="en-US" sz="1800" dirty="0"/>
+              <a:t>類似於變數，</a:t>
+            </a:r>
+            <a:r>
+              <a:rPr lang="zh-TW" altLang="en-US" sz="1800" dirty="0" smtClean="0"/>
+              <a:t>存放該物件</a:t>
+            </a:r>
+            <a:r>
+              <a:rPr lang="zh-TW" altLang="en-US" sz="1800" dirty="0"/>
+              <a:t>特有的資訊</a:t>
+            </a:r>
+            <a:r>
+              <a:rPr lang="zh-TW" altLang="en-US" sz="1800" dirty="0" smtClean="0"/>
+              <a:t>。</a:t>
+            </a:r>
+            <a:endParaRPr lang="en-US" altLang="zh-TW" sz="1800" dirty="0" smtClean="0"/>
+          </a:p>
+          <a:p>
+            <a:pPr lvl="1"/>
+            <a:r>
+              <a:rPr lang="zh-TW" altLang="en-US" sz="1800" dirty="0"/>
+              <a:t>每一物件皆有獨立的屬性，存放在獨立的記憶體中，不重複。</a:t>
+            </a:r>
+            <a:endParaRPr lang="en-US" altLang="zh-TW" sz="1800" dirty="0" smtClean="0"/>
+          </a:p>
+          <a:p>
+            <a:r>
+              <a:rPr lang="zh-TW" altLang="en-US" sz="2000" b="1" dirty="0"/>
+              <a:t>有甚麼方法</a:t>
+            </a:r>
+            <a:r>
+              <a:rPr lang="zh-TW" altLang="en-US" sz="2000" b="1" dirty="0" smtClean="0"/>
+              <a:t>？</a:t>
+            </a:r>
+            <a:endParaRPr lang="en-US" altLang="zh-TW" sz="2000" b="1" dirty="0" smtClean="0"/>
+          </a:p>
+          <a:p>
+            <a:pPr lvl="1"/>
+            <a:r>
+              <a:rPr lang="zh-TW" altLang="en-US" sz="1800" dirty="0" smtClean="0"/>
+              <a:t>就是可以對物件下的指令</a:t>
+            </a:r>
+            <a:endParaRPr lang="en-US" altLang="zh-TW" sz="1800" dirty="0" smtClean="0"/>
+          </a:p>
+          <a:p>
+            <a:pPr lvl="1"/>
+            <a:r>
+              <a:rPr lang="zh-TW" altLang="en-US" sz="1800" dirty="0" smtClean="0"/>
+              <a:t>方法的名稱、參數、傳回值</a:t>
+            </a:r>
+            <a:r>
+              <a:rPr lang="en-US" altLang="zh-TW" sz="1800" dirty="0" smtClean="0"/>
+              <a:t>(</a:t>
+            </a:r>
+            <a:r>
+              <a:rPr lang="zh-TW" altLang="en-US" sz="1800" dirty="0" smtClean="0"/>
+              <a:t>結果</a:t>
+            </a:r>
+            <a:r>
+              <a:rPr lang="en-US" altLang="zh-TW" sz="1800" dirty="0" smtClean="0"/>
+              <a:t>)</a:t>
+            </a:r>
+          </a:p>
+          <a:p>
+            <a:r>
+              <a:rPr lang="zh-TW" altLang="en-US" sz="2000" b="1" dirty="0"/>
+              <a:t>會產生甚麼事件</a:t>
+            </a:r>
+            <a:r>
+              <a:rPr lang="zh-TW" altLang="en-US" sz="2000" b="1" dirty="0" smtClean="0"/>
+              <a:t>？</a:t>
+            </a:r>
+            <a:endParaRPr lang="en-US" altLang="zh-TW" sz="2000" b="1" dirty="0" smtClean="0"/>
+          </a:p>
+          <a:p>
+            <a:pPr lvl="1"/>
+            <a:r>
+              <a:rPr lang="zh-TW" altLang="en-US" sz="1800" dirty="0"/>
+              <a:t>執行過程物件會主動發布甚麼</a:t>
+            </a:r>
+            <a:r>
+              <a:rPr lang="zh-TW" altLang="en-US" sz="1800" dirty="0" smtClean="0"/>
+              <a:t>事件</a:t>
+            </a:r>
+            <a:endParaRPr lang="en-US" altLang="zh-TW" sz="1800" dirty="0" smtClean="0"/>
+          </a:p>
+          <a:p>
+            <a:pPr lvl="1"/>
+            <a:r>
+              <a:rPr lang="zh-TW" altLang="en-US" sz="1800" dirty="0"/>
+              <a:t>這些事件誰要</a:t>
+            </a:r>
+            <a:r>
+              <a:rPr lang="zh-TW" altLang="en-US" sz="1800" dirty="0" smtClean="0"/>
+              <a:t>聽，就是</a:t>
+            </a:r>
+            <a:r>
+              <a:rPr lang="zh-TW" altLang="en-US" sz="1800" dirty="0"/>
+              <a:t>在物件發出後要處理他</a:t>
+            </a:r>
+            <a:r>
+              <a:rPr lang="zh-TW" altLang="en-US" sz="1800" dirty="0" smtClean="0"/>
+              <a:t>。</a:t>
+            </a:r>
+            <a:endParaRPr lang="en-US" altLang="zh-TW" sz="1800" dirty="0" smtClean="0"/>
+          </a:p>
+          <a:p>
+            <a:pPr lvl="1"/>
+            <a:r>
+              <a:rPr lang="zh-TW" altLang="en-US" sz="1800" dirty="0"/>
+              <a:t>仿真實</a:t>
+            </a:r>
+            <a:r>
+              <a:rPr lang="zh-TW" altLang="en-US" sz="1800" dirty="0" smtClean="0"/>
+              <a:t>世界，是一連串的事件影響彼此，同步運行。也像舞台劇或電視劇，一個事件導致另一個事件</a:t>
+            </a:r>
+            <a:r>
+              <a:rPr lang="zh-TW" altLang="en-US" sz="1800" dirty="0" smtClean="0"/>
+              <a:t>。</a:t>
+            </a:r>
+            <a:endParaRPr lang="zh-TW" altLang="en-US" sz="1800" dirty="0">
+              <a:solidFill>
+                <a:schemeClr val="accent5">
+                  <a:lumMod val="75000"/>
+                </a:schemeClr>
+              </a:solidFill>
+            </a:endParaRPr>
+          </a:p>
+        </p:txBody>
+      </p:sp>
+      <p:grpSp>
+        <p:nvGrpSpPr>
+          <p:cNvPr id="4" name="群組 3"/>
+          <p:cNvGrpSpPr/>
+          <p:nvPr/>
+        </p:nvGrpSpPr>
+        <p:grpSpPr>
+          <a:xfrm>
+            <a:off x="8031573" y="2373745"/>
+            <a:ext cx="3772500" cy="2533241"/>
+            <a:chOff x="2408491" y="1214818"/>
+            <a:chExt cx="4439031" cy="3038475"/>
+          </a:xfrm>
+        </p:grpSpPr>
+        <p:pic>
+          <p:nvPicPr>
+            <p:cNvPr id="5" name="圖片 4"/>
+            <p:cNvPicPr>
+              <a:picLocks noChangeAspect="1"/>
+            </p:cNvPicPr>
+            <p:nvPr/>
+          </p:nvPicPr>
+          <p:blipFill>
+            <a:blip r:embed="rId2"/>
+            <a:stretch>
+              <a:fillRect/>
+            </a:stretch>
+          </p:blipFill>
+          <p:spPr>
+            <a:xfrm>
+              <a:off x="2408491" y="1214818"/>
+              <a:ext cx="2181225" cy="3038475"/>
+            </a:xfrm>
+            <a:prstGeom prst="rect">
+              <a:avLst/>
+            </a:prstGeom>
+          </p:spPr>
+        </p:pic>
+        <p:pic>
+          <p:nvPicPr>
+            <p:cNvPr id="6" name="圖片 5"/>
+            <p:cNvPicPr>
+              <a:picLocks noChangeAspect="1"/>
+            </p:cNvPicPr>
+            <p:nvPr/>
+          </p:nvPicPr>
+          <p:blipFill>
+            <a:blip r:embed="rId3"/>
+            <a:stretch>
+              <a:fillRect/>
+            </a:stretch>
+          </p:blipFill>
+          <p:spPr>
+            <a:xfrm>
+              <a:off x="4704397" y="1219580"/>
+              <a:ext cx="2143125" cy="3028950"/>
+            </a:xfrm>
+            <a:prstGeom prst="rect">
+              <a:avLst/>
+            </a:prstGeom>
+          </p:spPr>
+        </p:pic>
+        <p:pic>
+          <p:nvPicPr>
+            <p:cNvPr id="7" name="圖片 6"/>
+            <p:cNvPicPr>
+              <a:picLocks noChangeAspect="1"/>
+            </p:cNvPicPr>
+            <p:nvPr/>
+          </p:nvPicPr>
+          <p:blipFill>
+            <a:blip r:embed="rId4">
+              <a:extLst>
+                <a:ext uri="{BEBA8EAE-BF5A-486C-A8C5-ECC9F3942E4B}">
+                  <a14:imgProps xmlns:a14="http://schemas.microsoft.com/office/drawing/2010/main">
+                    <a14:imgLayer r:embed="rId5">
+                      <a14:imgEffect>
+                        <a14:backgroundRemoval t="0" b="100000" l="0" r="100000">
+                          <a14:foregroundMark x1="45789" y1="97186" x2="45789" y2="97186"/>
+                          <a14:foregroundMark x1="70000" y1="94747" x2="70000" y2="94747"/>
+                          <a14:foregroundMark x1="37895" y1="94559" x2="37895" y2="94559"/>
+                          <a14:foregroundMark x1="49474" y1="5629" x2="49474" y2="5629"/>
+                          <a14:foregroundMark x1="60000" y1="20075" x2="60000" y2="20075"/>
+                          <a14:foregroundMark x1="35789" y1="20075" x2="35789" y2="20075"/>
+                          <a14:foregroundMark x1="36842" y1="18199" x2="36842" y2="18199"/>
+                          <a14:foregroundMark x1="59474" y1="18574" x2="59474" y2="18574"/>
+                        </a14:backgroundRemoval>
+                      </a14:imgEffect>
+                    </a14:imgLayer>
+                  </a14:imgProps>
+                </a:ext>
+              </a:extLst>
+            </a:blip>
+            <a:stretch>
+              <a:fillRect/>
+            </a:stretch>
+          </p:blipFill>
+          <p:spPr>
+            <a:xfrm>
+              <a:off x="3712464" y="2630615"/>
+              <a:ext cx="569205" cy="1596770"/>
+            </a:xfrm>
+            <a:prstGeom prst="rect">
+              <a:avLst/>
+            </a:prstGeom>
+          </p:spPr>
+        </p:pic>
+        <p:pic>
+          <p:nvPicPr>
+            <p:cNvPr id="8" name="圖片 7"/>
+            <p:cNvPicPr>
+              <a:picLocks noChangeAspect="1"/>
+            </p:cNvPicPr>
+            <p:nvPr/>
+          </p:nvPicPr>
+          <p:blipFill>
+            <a:blip r:embed="rId6">
+              <a:extLst>
+                <a:ext uri="{BEBA8EAE-BF5A-486C-A8C5-ECC9F3942E4B}">
+                  <a14:imgProps xmlns:a14="http://schemas.microsoft.com/office/drawing/2010/main">
+                    <a14:imgLayer r:embed="rId7">
+                      <a14:imgEffect>
+                        <a14:backgroundRemoval t="0" b="100000" l="0" r="100000"/>
+                      </a14:imgEffect>
+                    </a14:imgLayer>
+                  </a14:imgProps>
+                </a:ext>
+              </a:extLst>
+            </a:blip>
+            <a:stretch>
+              <a:fillRect/>
+            </a:stretch>
+          </p:blipFill>
+          <p:spPr>
+            <a:xfrm>
+              <a:off x="4589716" y="2683859"/>
+              <a:ext cx="745352" cy="1564671"/>
+            </a:xfrm>
+            <a:prstGeom prst="rect">
+              <a:avLst/>
+            </a:prstGeom>
+          </p:spPr>
+        </p:pic>
+      </p:grpSp>
+    </p:spTree>
+    <p:extLst>
+      <p:ext uri="{BB962C8B-B14F-4D97-AF65-F5344CB8AC3E}">
+        <p14:creationId xmlns:p14="http://schemas.microsoft.com/office/powerpoint/2010/main" val="55907597"/>
+      </p:ext>
+    </p:extLst>
+  </p:cSld>
+  <p:clrMapOvr>
+    <a:masterClrMapping/>
+  </p:clrMapOvr>
+  <p:timing>
+    <p:tnLst>
+      <p:par>
+        <p:cTn id="1" dur="indefinite" restart="never" nodeType="tmRoot"/>
+      </p:par>
+    </p:tnLst>
+  </p:timing>
 </p:sld>
 </file>
 
